--- a/Think-Design.pptx
+++ b/Think-Design.pptx
@@ -6,8 +6,9 @@
   </p:sldMasterIdLst>
   <p:sldIdLst>
     <p:sldId id="277" r:id="rId2"/>
-    <p:sldId id="274" r:id="rId3"/>
+    <p:sldId id="283" r:id="rId3"/>
     <p:sldId id="281" r:id="rId4"/>
+    <p:sldId id="282" r:id="rId5"/>
   </p:sldIdLst>
   <p:sldSz cx="12192000" cy="6858000"/>
   <p:notesSz cx="6858000" cy="9144000"/>
@@ -6044,7 +6045,7 @@
         <p:spPr>
           <a:xfrm>
             <a:off x="394081" y="136712"/>
-            <a:ext cx="1314784" cy="400110"/>
+            <a:ext cx="1933543" cy="400110"/>
           </a:xfrm>
           <a:prstGeom prst="rect">
             <a:avLst/>
@@ -6063,59 +6064,9 @@
             </a:pPr>
             <a:r>
               <a:rPr lang="en-US" altLang="zh-CN" sz="2000" b="1"/>
-              <a:t>BitPool</a:t>
+              <a:t>BitPool v 0.2</a:t>
             </a:r>
             <a:endParaRPr lang="en-US" altLang="zh-CN" sz="2000"/>
-          </a:p>
-        </p:txBody>
-      </p:sp>
-      <p:sp>
-        <p:nvSpPr>
-          <p:cNvPr id="201" name="矩形: 圆角 200">
-            <a:extLst>
-              <a:ext uri="{FF2B5EF4-FFF2-40B4-BE49-F238E27FC236}">
-                <a16:creationId xmlns:a16="http://schemas.microsoft.com/office/drawing/2014/main" id="{035D5719-F6F7-443B-AB06-CE32C12C3713}"/>
-              </a:ext>
-            </a:extLst>
-          </p:cNvPr>
-          <p:cNvSpPr/>
-          <p:nvPr/>
-        </p:nvSpPr>
-        <p:spPr>
-          <a:xfrm>
-            <a:off x="604585" y="870453"/>
-            <a:ext cx="1440016" cy="360268"/>
-          </a:xfrm>
-          <a:prstGeom prst="roundRect">
-            <a:avLst>
-              <a:gd name="adj" fmla="val 4740"/>
-            </a:avLst>
-          </a:prstGeom>
-        </p:spPr>
-        <p:style>
-          <a:lnRef idx="2">
-            <a:schemeClr val="accent3"/>
-          </a:lnRef>
-          <a:fillRef idx="1">
-            <a:schemeClr val="lt1"/>
-          </a:fillRef>
-          <a:effectRef idx="0">
-            <a:schemeClr val="accent3"/>
-          </a:effectRef>
-          <a:fontRef idx="minor">
-            <a:schemeClr val="dk1"/>
-          </a:fontRef>
-        </p:style>
-        <p:txBody>
-          <a:bodyPr rtlCol="0" anchor="ctr"/>
-          <a:lstStyle/>
-          <a:p>
-            <a:pPr algn="ctr"/>
-            <a:r>
-              <a:rPr lang="en-US" altLang="zh-CN" sz="1200" b="1"/>
-              <a:t>SHM-API</a:t>
-            </a:r>
-            <a:endParaRPr lang="zh-CN" altLang="en-US" sz="1200" b="1"/>
           </a:p>
         </p:txBody>
       </p:sp>
@@ -6133,8 +6084,8 @@
         </p:nvSpPr>
         <p:spPr>
           <a:xfrm>
-            <a:off x="347272" y="1590289"/>
-            <a:ext cx="5448928" cy="3231654"/>
+            <a:off x="607573" y="3888280"/>
+            <a:ext cx="3706464" cy="830997"/>
           </a:xfrm>
           <a:prstGeom prst="rect">
             <a:avLst/>
@@ -6148,364 +6099,25 @@
           <a:lstStyle/>
           <a:p>
             <a:r>
-              <a:rPr lang="en-US" altLang="zh-CN" sz="1400" b="1">
-                <a:solidFill>
-                  <a:srgbClr val="C00000"/>
-                </a:solidFill>
-              </a:rPr>
-              <a:t>import elabs.service.bitpool.BitPool</a:t>
-            </a:r>
-          </a:p>
-          <a:p>
-            <a:endParaRPr lang="en-US" altLang="zh-CN"/>
-          </a:p>
-          <a:p>
-            <a:r>
-              <a:rPr lang="en-US" altLang="zh-CN" sz="1400" b="1"/>
-              <a:t>.destroy()</a:t>
-            </a:r>
-          </a:p>
-          <a:p>
-            <a:r>
-              <a:rPr lang="en-US" altLang="zh-CN" sz="1400" b="1"/>
-              <a:t>.create()</a:t>
-            </a:r>
-          </a:p>
-          <a:p>
-            <a:r>
-              <a:rPr lang="en-US" altLang="zh-CN" sz="1400" b="1"/>
-              <a:t>.client ( </a:t>
-            </a:r>
-            <a:r>
-              <a:rPr lang="en-US" altLang="zh-CN" sz="1400"/>
-              <a:t>)  </a:t>
-            </a:r>
-            <a:r>
-              <a:rPr lang="zh-CN" altLang="en-US" sz="1400"/>
-              <a:t>得到操作对象</a:t>
-            </a:r>
-            <a:endParaRPr lang="en-US" altLang="zh-CN" sz="1400"/>
-          </a:p>
-          <a:p>
-            <a:r>
-              <a:rPr lang="en-US" altLang="zh-CN" sz="1400" b="1"/>
-              <a:t>.get_data(symbol,period,start,end,num)  </a:t>
-            </a:r>
-            <a:r>
-              <a:rPr lang="zh-CN" altLang="en-US" sz="1400"/>
-              <a:t>查询指定周期的</a:t>
-            </a:r>
-            <a:r>
-              <a:rPr lang="en-US" altLang="zh-CN" sz="1400"/>
-              <a:t>kline</a:t>
-            </a:r>
-            <a:r>
-              <a:rPr lang="zh-CN" altLang="en-US" sz="1400"/>
-              <a:t>记录</a:t>
-            </a:r>
-            <a:endParaRPr lang="en-US" altLang="zh-CN" sz="1400"/>
-          </a:p>
-          <a:p>
-            <a:r>
-              <a:rPr lang="en-US" altLang="zh-CN"/>
-              <a:t> </a:t>
-            </a:r>
-            <a:r>
-              <a:rPr lang="en-US" altLang="zh-CN" sz="1400"/>
-              <a:t>returns:</a:t>
-            </a:r>
-          </a:p>
-          <a:p>
-            <a:r>
-              <a:rPr lang="en-US" altLang="zh-CN"/>
-              <a:t>     </a:t>
-            </a:r>
-            <a:r>
-              <a:rPr lang="en-US" altLang="zh-CN" sz="1200">
-                <a:solidFill>
-                  <a:schemeClr val="accent5">
-                    <a:lumMod val="75000"/>
-                  </a:schemeClr>
-                </a:solidFill>
-              </a:rPr>
-              <a:t>dict(itime=[], time=[], open=[], high=[], low=[], close=[], opi=[], vol=[])</a:t>
-            </a:r>
-          </a:p>
-          <a:p>
-            <a:r>
-              <a:rPr lang="en-US" altLang="zh-CN" sz="1200" b="1" i="1">
-                <a:solidFill>
-                  <a:schemeClr val="accent5">
-                    <a:lumMod val="75000"/>
-                  </a:schemeClr>
-                </a:solidFill>
-              </a:rPr>
-              <a:t> </a:t>
-            </a:r>
-          </a:p>
-          <a:p>
-            <a:r>
-              <a:rPr lang="en-US" altLang="zh-CN" sz="1200">
-                <a:solidFill>
-                  <a:schemeClr val="accent5">
-                    <a:lumMod val="75000"/>
-                  </a:schemeClr>
-                </a:solidFill>
-              </a:rPr>
-              <a:t> : symbol  </a:t>
-            </a:r>
-            <a:r>
-              <a:rPr lang="zh-CN" altLang="en-US" sz="1200">
-                <a:solidFill>
-                  <a:schemeClr val="accent5">
-                    <a:lumMod val="75000"/>
-                  </a:schemeClr>
-                </a:solidFill>
-              </a:rPr>
-              <a:t>合约名</a:t>
-            </a:r>
-            <a:endParaRPr lang="en-US" altLang="zh-CN" sz="1200">
-              <a:solidFill>
-                <a:schemeClr val="accent5">
-                  <a:lumMod val="75000"/>
-                </a:schemeClr>
-              </a:solidFill>
-            </a:endParaRPr>
-          </a:p>
-          <a:p>
-            <a:r>
-              <a:rPr lang="en-US" altLang="zh-CN" sz="1200">
-                <a:solidFill>
-                  <a:schemeClr val="accent5">
-                    <a:lumMod val="75000"/>
-                  </a:schemeClr>
-                </a:solidFill>
-              </a:rPr>
-              <a:t> : period   </a:t>
-            </a:r>
-            <a:r>
-              <a:rPr lang="zh-CN" altLang="en-US" sz="1200">
-                <a:solidFill>
-                  <a:schemeClr val="accent5">
-                    <a:lumMod val="75000"/>
-                  </a:schemeClr>
-                </a:solidFill>
-              </a:rPr>
-              <a:t>周期 </a:t>
-            </a:r>
-            <a:r>
-              <a:rPr lang="en-US" altLang="zh-CN" sz="1200">
-                <a:solidFill>
-                  <a:schemeClr val="accent5">
-                    <a:lumMod val="75000"/>
-                  </a:schemeClr>
-                </a:solidFill>
-              </a:rPr>
-              <a:t>5-60</a:t>
-            </a:r>
-          </a:p>
-          <a:p>
-            <a:r>
-              <a:rPr lang="en-US" altLang="zh-CN" sz="1200">
-                <a:solidFill>
-                  <a:schemeClr val="accent5">
-                    <a:lumMod val="75000"/>
-                  </a:schemeClr>
-                </a:solidFill>
-              </a:rPr>
-              <a:t> : start      [</a:t>
-            </a:r>
-            <a:r>
-              <a:rPr lang="zh-CN" altLang="en-US" sz="1200">
-                <a:solidFill>
-                  <a:schemeClr val="accent5">
-                    <a:lumMod val="75000"/>
-                  </a:schemeClr>
-                </a:solidFill>
-              </a:rPr>
-              <a:t>可选</a:t>
-            </a:r>
-            <a:r>
-              <a:rPr lang="en-US" altLang="zh-CN" sz="1200">
-                <a:solidFill>
-                  <a:schemeClr val="accent5">
-                    <a:lumMod val="75000"/>
-                  </a:schemeClr>
-                </a:solidFill>
-              </a:rPr>
-              <a:t>]  </a:t>
-            </a:r>
-            <a:r>
-              <a:rPr lang="zh-CN" altLang="en-US" sz="1200">
-                <a:solidFill>
-                  <a:schemeClr val="accent5">
-                    <a:lumMod val="75000"/>
-                  </a:schemeClr>
-                </a:solidFill>
-              </a:rPr>
-              <a:t>开始时间</a:t>
-            </a:r>
-            <a:r>
-              <a:rPr lang="en-US" altLang="zh-CN" sz="1200">
-                <a:solidFill>
-                  <a:schemeClr val="accent5">
-                    <a:lumMod val="75000"/>
-                  </a:schemeClr>
-                </a:solidFill>
-              </a:rPr>
-              <a:t> </a:t>
-            </a:r>
-          </a:p>
-          <a:p>
-            <a:r>
-              <a:rPr lang="en-US" altLang="zh-CN" sz="1200">
-                <a:solidFill>
-                  <a:schemeClr val="accent5">
-                    <a:lumMod val="75000"/>
-                  </a:schemeClr>
-                </a:solidFill>
-              </a:rPr>
-              <a:t> : end       [</a:t>
-            </a:r>
-            <a:r>
-              <a:rPr lang="zh-CN" altLang="en-US" sz="1200">
-                <a:solidFill>
-                  <a:schemeClr val="accent5">
-                    <a:lumMod val="75000"/>
-                  </a:schemeClr>
-                </a:solidFill>
-              </a:rPr>
-              <a:t>可选</a:t>
-            </a:r>
-            <a:r>
-              <a:rPr lang="en-US" altLang="zh-CN" sz="1200">
-                <a:solidFill>
-                  <a:schemeClr val="accent5">
-                    <a:lumMod val="75000"/>
-                  </a:schemeClr>
-                </a:solidFill>
-              </a:rPr>
-              <a:t>]  </a:t>
-            </a:r>
-            <a:r>
-              <a:rPr lang="zh-CN" altLang="en-US" sz="1200">
-                <a:solidFill>
-                  <a:schemeClr val="accent5">
-                    <a:lumMod val="75000"/>
-                  </a:schemeClr>
-                </a:solidFill>
-              </a:rPr>
-              <a:t>结束时间</a:t>
-            </a:r>
-            <a:endParaRPr lang="en-US" altLang="zh-CN" sz="1200">
-              <a:solidFill>
-                <a:schemeClr val="accent5">
-                  <a:lumMod val="75000"/>
-                </a:schemeClr>
-              </a:solidFill>
-            </a:endParaRPr>
-          </a:p>
-          <a:p>
-            <a:r>
-              <a:rPr lang="en-US" altLang="zh-CN" sz="1200">
-                <a:solidFill>
-                  <a:schemeClr val="accent5">
-                    <a:lumMod val="75000"/>
-                  </a:schemeClr>
-                </a:solidFill>
-              </a:rPr>
-              <a:t> : num      [</a:t>
-            </a:r>
-            <a:r>
-              <a:rPr lang="zh-CN" altLang="en-US" sz="1200">
-                <a:solidFill>
-                  <a:schemeClr val="accent5">
-                    <a:lumMod val="75000"/>
-                  </a:schemeClr>
-                </a:solidFill>
-              </a:rPr>
-              <a:t>可选</a:t>
-            </a:r>
-            <a:r>
-              <a:rPr lang="en-US" altLang="zh-CN" sz="1200">
-                <a:solidFill>
-                  <a:schemeClr val="accent5">
-                    <a:lumMod val="75000"/>
-                  </a:schemeClr>
-                </a:solidFill>
-              </a:rPr>
-              <a:t>]  </a:t>
-            </a:r>
-            <a:r>
-              <a:rPr lang="zh-CN" altLang="en-US" sz="1200">
-                <a:solidFill>
-                  <a:schemeClr val="accent5">
-                    <a:lumMod val="75000"/>
-                  </a:schemeClr>
-                </a:solidFill>
-              </a:rPr>
-              <a:t>未提供</a:t>
-            </a:r>
-            <a:r>
-              <a:rPr lang="en-US" altLang="zh-CN" sz="1200">
-                <a:solidFill>
-                  <a:schemeClr val="accent5">
-                    <a:lumMod val="75000"/>
-                  </a:schemeClr>
-                </a:solidFill>
-              </a:rPr>
-              <a:t>start </a:t>
-            </a:r>
-            <a:r>
-              <a:rPr lang="zh-CN" altLang="en-US" sz="1200">
-                <a:solidFill>
-                  <a:schemeClr val="accent5">
-                    <a:lumMod val="75000"/>
-                  </a:schemeClr>
-                </a:solidFill>
-              </a:rPr>
-              <a:t>，</a:t>
-            </a:r>
-            <a:r>
-              <a:rPr lang="en-US" altLang="zh-CN" sz="1200">
-                <a:solidFill>
-                  <a:schemeClr val="accent5">
-                    <a:lumMod val="75000"/>
-                  </a:schemeClr>
-                </a:solidFill>
-              </a:rPr>
-              <a:t>end </a:t>
-            </a:r>
-            <a:r>
-              <a:rPr lang="zh-CN" altLang="en-US" sz="1200">
-                <a:solidFill>
-                  <a:schemeClr val="accent5">
-                    <a:lumMod val="75000"/>
-                  </a:schemeClr>
-                </a:solidFill>
-              </a:rPr>
-              <a:t>时返回最近的</a:t>
-            </a:r>
-            <a:r>
-              <a:rPr lang="en-US" altLang="zh-CN" sz="1200">
-                <a:solidFill>
-                  <a:schemeClr val="accent5">
-                    <a:lumMod val="75000"/>
-                  </a:schemeClr>
-                </a:solidFill>
-              </a:rPr>
-              <a:t>num</a:t>
-            </a:r>
-            <a:r>
-              <a:rPr lang="zh-CN" altLang="en-US" sz="1200">
-                <a:solidFill>
-                  <a:schemeClr val="accent5">
-                    <a:lumMod val="75000"/>
-                  </a:schemeClr>
-                </a:solidFill>
-              </a:rPr>
-              <a:t>记录</a:t>
-            </a:r>
+              <a:rPr lang="en-US" altLang="zh-CN" sz="1200"/>
+              <a:t>from elabs.service.bitpool.BitPool import client</a:t>
+            </a:r>
+          </a:p>
+          <a:p>
+            <a:endParaRPr lang="en-US" altLang="zh-CN" sz="1200"/>
+          </a:p>
+          <a:p>
+            <a:r>
+              <a:rPr lang="en-US" altLang="zh-CN" sz="1200"/>
+              <a:t>client().get_data('AXSUSDT',40,'2021-9-2','2021-9-3')</a:t>
+            </a:r>
+          </a:p>
+          <a:p>
+            <a:r>
+              <a:rPr lang="en-US" altLang="zh-CN" sz="1200"/>
+              <a:t>client().get_latest('AXSUSDT',40)</a:t>
+            </a:r>
+            <a:endParaRPr lang="zh-CN" altLang="en-US" sz="1100"/>
           </a:p>
         </p:txBody>
       </p:sp>
@@ -10126,36 +9738,6 @@
           </p:txBody>
         </p:sp>
       </p:grpSp>
-      <p:pic>
-        <p:nvPicPr>
-          <p:cNvPr id="478" name="图片 477">
-            <a:extLst>
-              <a:ext uri="{FF2B5EF4-FFF2-40B4-BE49-F238E27FC236}">
-                <a16:creationId xmlns:a16="http://schemas.microsoft.com/office/drawing/2014/main" id="{3E4689E5-1CDF-44A7-BDAA-34F30E1F0CB7}"/>
-              </a:ext>
-            </a:extLst>
-          </p:cNvPr>
-          <p:cNvPicPr>
-            <a:picLocks noChangeAspect="1"/>
-          </p:cNvPicPr>
-          <p:nvPr/>
-        </p:nvPicPr>
-        <p:blipFill>
-          <a:blip r:embed="rId2"/>
-          <a:stretch>
-            <a:fillRect/>
-          </a:stretch>
-        </p:blipFill>
-        <p:spPr>
-          <a:xfrm>
-            <a:off x="529839" y="5312550"/>
-            <a:ext cx="9557827" cy="1519284"/>
-          </a:xfrm>
-          <a:prstGeom prst="rect">
-            <a:avLst/>
-          </a:prstGeom>
-        </p:spPr>
-      </p:pic>
       <p:grpSp>
         <p:nvGrpSpPr>
           <p:cNvPr id="486" name="组合 485">
@@ -10995,10 +10577,809 @@
           </a:p>
         </p:txBody>
       </p:sp>
+      <p:sp>
+        <p:nvSpPr>
+          <p:cNvPr id="99" name="文本框 98">
+            <a:extLst>
+              <a:ext uri="{FF2B5EF4-FFF2-40B4-BE49-F238E27FC236}">
+                <a16:creationId xmlns:a16="http://schemas.microsoft.com/office/drawing/2014/main" id="{C7633102-C8A2-4079-A9F1-2E7D3BABA50B}"/>
+              </a:ext>
+            </a:extLst>
+          </p:cNvPr>
+          <p:cNvSpPr txBox="1"/>
+          <p:nvPr/>
+        </p:nvSpPr>
+        <p:spPr>
+          <a:xfrm>
+            <a:off x="486880" y="4966530"/>
+            <a:ext cx="10949472" cy="1569660"/>
+          </a:xfrm>
+          <a:prstGeom prst="rect">
+            <a:avLst/>
+          </a:prstGeom>
+          <a:noFill/>
+        </p:spPr>
+        <p:txBody>
+          <a:bodyPr wrap="square">
+            <a:spAutoFit/>
+          </a:bodyPr>
+          <a:lstStyle/>
+          <a:p>
+            <a:pPr marL="171450" indent="-171450">
+              <a:buFont typeface="Arial" panose="020B0604020202020204" pitchFamily="34" charset="0"/>
+              <a:buChar char="•"/>
+            </a:pPr>
+            <a:r>
+              <a:rPr lang="zh-CN" altLang="en-US" sz="1200"/>
+              <a:t>python -m elabs.service.bitpool.BitPool python -m elabs.service.bitpool.BitPool get_latest 'AXSUSDT' 40 	读取最近一根40分钟k线</a:t>
+            </a:r>
+            <a:endParaRPr lang="en-US" altLang="zh-CN" sz="1200"/>
+          </a:p>
+          <a:p>
+            <a:pPr marL="171450" indent="-171450">
+              <a:buFont typeface="Arial" panose="020B0604020202020204" pitchFamily="34" charset="0"/>
+              <a:buChar char="•"/>
+            </a:pPr>
+            <a:r>
+              <a:rPr lang="zh-CN" altLang="en-US" sz="1200"/>
+              <a:t>python -m elabs.service.bitpool.BitPool get_latest 'AXSUSDT' 40  5 			                      读取最近5根40分钟k线</a:t>
+            </a:r>
+            <a:endParaRPr lang="en-US" altLang="zh-CN" sz="1200"/>
+          </a:p>
+          <a:p>
+            <a:pPr marL="171450" indent="-171450">
+              <a:buFont typeface="Arial" panose="020B0604020202020204" pitchFamily="34" charset="0"/>
+              <a:buChar char="•"/>
+            </a:pPr>
+            <a:r>
+              <a:rPr lang="zh-CN" altLang="en-US" sz="1200"/>
+              <a:t>python -m elabs.service.bitpool.BitPool get_data 'AXSUSDT' 40 '2021-9-2' '2021-9-3'</a:t>
+            </a:r>
+            <a:endParaRPr lang="en-US" altLang="zh-CN" sz="1200"/>
+          </a:p>
+          <a:p>
+            <a:pPr marL="171450" indent="-171450">
+              <a:buFont typeface="Arial" panose="020B0604020202020204" pitchFamily="34" charset="0"/>
+              <a:buChar char="•"/>
+            </a:pPr>
+            <a:r>
+              <a:rPr lang="zh-CN" altLang="en-US" sz="1200"/>
+              <a:t>python -m elabs.service.bitpool.BitPool create 		                                                                  创建共享区，内存清除，建立索引</a:t>
+            </a:r>
+            <a:endParaRPr lang="en-US" altLang="zh-CN" sz="1200"/>
+          </a:p>
+          <a:p>
+            <a:pPr marL="171450" indent="-171450">
+              <a:buFont typeface="Arial" panose="020B0604020202020204" pitchFamily="34" charset="0"/>
+              <a:buChar char="•"/>
+            </a:pPr>
+            <a:r>
+              <a:rPr lang="zh-CN" altLang="en-US" sz="1200"/>
+              <a:t>python -m elabs.service.bitpool.BitPool destroy 	摧毁共享区</a:t>
+            </a:r>
+            <a:endParaRPr lang="en-US" altLang="zh-CN" sz="1200"/>
+          </a:p>
+          <a:p>
+            <a:pPr marL="171450" indent="-171450">
+              <a:buFont typeface="Arial" panose="020B0604020202020204" pitchFamily="34" charset="0"/>
+              <a:buChar char="•"/>
+            </a:pPr>
+            <a:r>
+              <a:rPr lang="zh-CN" altLang="en-US" sz="1200"/>
+              <a:t>python -m elabs.service.bitpool.BitPool mem_zero	内存清除</a:t>
+            </a:r>
+            <a:endParaRPr lang="en-US" altLang="zh-CN" sz="1200"/>
+          </a:p>
+          <a:p>
+            <a:pPr marL="171450" indent="-171450">
+              <a:buFont typeface="Arial" panose="020B0604020202020204" pitchFamily="34" charset="0"/>
+              <a:buChar char="•"/>
+            </a:pPr>
+            <a:r>
+              <a:rPr lang="zh-CN" altLang="en-US" sz="1200"/>
+              <a:t>python -m elabs.service.bitpool.BitPool edit 	编辑配置</a:t>
+            </a:r>
+            <a:endParaRPr lang="en-US" altLang="zh-CN" sz="1200"/>
+          </a:p>
+          <a:p>
+            <a:pPr marL="171450" indent="-171450">
+              <a:buFont typeface="Arial" panose="020B0604020202020204" pitchFamily="34" charset="0"/>
+              <a:buChar char="•"/>
+            </a:pPr>
+            <a:r>
+              <a:rPr lang="zh-CN" altLang="en-US" sz="1200"/>
+              <a:t>python -m elabs.service.bitpool.BitPool sync 	同步行情 默认 5分钟</a:t>
+            </a:r>
+          </a:p>
+        </p:txBody>
+      </p:sp>
+      <p:sp>
+        <p:nvSpPr>
+          <p:cNvPr id="100" name="矩形: 圆角 99">
+            <a:extLst>
+              <a:ext uri="{FF2B5EF4-FFF2-40B4-BE49-F238E27FC236}">
+                <a16:creationId xmlns:a16="http://schemas.microsoft.com/office/drawing/2014/main" id="{0F1AD25A-1997-4331-A628-7D29EE0EC615}"/>
+              </a:ext>
+            </a:extLst>
+          </p:cNvPr>
+          <p:cNvSpPr/>
+          <p:nvPr/>
+        </p:nvSpPr>
+        <p:spPr>
+          <a:xfrm>
+            <a:off x="1654071" y="1280709"/>
+            <a:ext cx="2210966" cy="1118863"/>
+          </a:xfrm>
+          <a:prstGeom prst="roundRect">
+            <a:avLst>
+              <a:gd name="adj" fmla="val 4740"/>
+            </a:avLst>
+          </a:prstGeom>
+        </p:spPr>
+        <p:style>
+          <a:lnRef idx="2">
+            <a:schemeClr val="accent3"/>
+          </a:lnRef>
+          <a:fillRef idx="1">
+            <a:schemeClr val="lt1"/>
+          </a:fillRef>
+          <a:effectRef idx="0">
+            <a:schemeClr val="accent3"/>
+          </a:effectRef>
+          <a:fontRef idx="minor">
+            <a:schemeClr val="dk1"/>
+          </a:fontRef>
+        </p:style>
+        <p:txBody>
+          <a:bodyPr rtlCol="0" anchor="t"/>
+          <a:lstStyle/>
+          <a:p>
+            <a:pPr algn="ctr"/>
+            <a:r>
+              <a:rPr lang="en-US" altLang="zh-CN" sz="1200" b="1"/>
+              <a:t>Node Computing</a:t>
+            </a:r>
+            <a:endParaRPr lang="zh-CN" altLang="en-US" sz="1200" b="1"/>
+          </a:p>
+        </p:txBody>
+      </p:sp>
+      <p:sp>
+        <p:nvSpPr>
+          <p:cNvPr id="101" name="矩形: 圆角 100">
+            <a:extLst>
+              <a:ext uri="{FF2B5EF4-FFF2-40B4-BE49-F238E27FC236}">
+                <a16:creationId xmlns:a16="http://schemas.microsoft.com/office/drawing/2014/main" id="{E4F02671-4727-4B4F-B84F-3FC1C96DB17D}"/>
+              </a:ext>
+            </a:extLst>
+          </p:cNvPr>
+          <p:cNvSpPr/>
+          <p:nvPr/>
+        </p:nvSpPr>
+        <p:spPr>
+          <a:xfrm>
+            <a:off x="2258194" y="1662185"/>
+            <a:ext cx="992057" cy="540769"/>
+          </a:xfrm>
+          <a:prstGeom prst="roundRect">
+            <a:avLst>
+              <a:gd name="adj" fmla="val 4740"/>
+            </a:avLst>
+          </a:prstGeom>
+        </p:spPr>
+        <p:style>
+          <a:lnRef idx="3">
+            <a:schemeClr val="lt1"/>
+          </a:lnRef>
+          <a:fillRef idx="1">
+            <a:schemeClr val="accent1"/>
+          </a:fillRef>
+          <a:effectRef idx="1">
+            <a:schemeClr val="accent1"/>
+          </a:effectRef>
+          <a:fontRef idx="minor">
+            <a:schemeClr val="lt1"/>
+          </a:fontRef>
+        </p:style>
+        <p:txBody>
+          <a:bodyPr rtlCol="0" anchor="ctr"/>
+          <a:lstStyle/>
+          <a:p>
+            <a:pPr algn="ctr"/>
+            <a:r>
+              <a:rPr lang="zh-CN" altLang="en-US" sz="1200" b="1"/>
+              <a:t>内存共享区</a:t>
+            </a:r>
+          </a:p>
+        </p:txBody>
+      </p:sp>
+      <p:pic>
+        <p:nvPicPr>
+          <p:cNvPr id="102" name="Picture 8" descr="Server cloud - Free interface icons">
+            <a:extLst>
+              <a:ext uri="{FF2B5EF4-FFF2-40B4-BE49-F238E27FC236}">
+                <a16:creationId xmlns:a16="http://schemas.microsoft.com/office/drawing/2014/main" id="{3B9A6BC4-8274-4506-AEC5-B75C67B0B3C0}"/>
+              </a:ext>
+            </a:extLst>
+          </p:cNvPr>
+          <p:cNvPicPr>
+            <a:picLocks noChangeAspect="1" noChangeArrowheads="1"/>
+          </p:cNvPicPr>
+          <p:nvPr/>
+        </p:nvPicPr>
+        <p:blipFill>
+          <a:blip r:embed="rId2">
+            <a:extLst>
+              <a:ext uri="{28A0092B-C50C-407E-A947-70E740481C1C}">
+                <a14:useLocalDpi xmlns:a14="http://schemas.microsoft.com/office/drawing/2010/main" val="0"/>
+              </a:ext>
+            </a:extLst>
+          </a:blip>
+          <a:srcRect/>
+          <a:stretch>
+            <a:fillRect/>
+          </a:stretch>
+        </p:blipFill>
+        <p:spPr bwMode="auto">
+          <a:xfrm>
+            <a:off x="362059" y="1035210"/>
+            <a:ext cx="830522" cy="436694"/>
+          </a:xfrm>
+          <a:prstGeom prst="rect">
+            <a:avLst/>
+          </a:prstGeom>
+          <a:noFill/>
+          <a:extLst>
+            <a:ext uri="{909E8E84-426E-40DD-AFC4-6F175D3DCCD1}">
+              <a14:hiddenFill xmlns:a14="http://schemas.microsoft.com/office/drawing/2010/main">
+                <a:solidFill>
+                  <a:srgbClr val="FFFFFF"/>
+                </a:solidFill>
+              </a14:hiddenFill>
+            </a:ext>
+          </a:extLst>
+        </p:spPr>
+      </p:pic>
+      <p:grpSp>
+        <p:nvGrpSpPr>
+          <p:cNvPr id="103" name="组合 102">
+            <a:extLst>
+              <a:ext uri="{FF2B5EF4-FFF2-40B4-BE49-F238E27FC236}">
+                <a16:creationId xmlns:a16="http://schemas.microsoft.com/office/drawing/2014/main" id="{AC85FD9B-A73A-4F18-9DDE-6D3859294CF6}"/>
+              </a:ext>
+            </a:extLst>
+          </p:cNvPr>
+          <p:cNvGrpSpPr/>
+          <p:nvPr/>
+        </p:nvGrpSpPr>
+        <p:grpSpPr>
+          <a:xfrm>
+            <a:off x="403916" y="1836214"/>
+            <a:ext cx="560128" cy="422026"/>
+            <a:chOff x="2376510" y="3766239"/>
+            <a:chExt cx="813732" cy="612396"/>
+          </a:xfrm>
+        </p:grpSpPr>
+        <p:sp>
+          <p:nvSpPr>
+            <p:cNvPr id="104" name="流程图: 磁盘 103">
+              <a:extLst>
+                <a:ext uri="{FF2B5EF4-FFF2-40B4-BE49-F238E27FC236}">
+                  <a16:creationId xmlns:a16="http://schemas.microsoft.com/office/drawing/2014/main" id="{79392AA8-FDA1-463A-BB1D-BBA42B1DE0DF}"/>
+                </a:ext>
+              </a:extLst>
+            </p:cNvPr>
+            <p:cNvSpPr/>
+            <p:nvPr/>
+          </p:nvSpPr>
+          <p:spPr>
+            <a:xfrm>
+              <a:off x="2376510" y="3766239"/>
+              <a:ext cx="813732" cy="612396"/>
+            </a:xfrm>
+            <a:prstGeom prst="flowChartMagneticDisk">
+              <a:avLst/>
+            </a:prstGeom>
+          </p:spPr>
+          <p:style>
+            <a:lnRef idx="2">
+              <a:schemeClr val="accent5"/>
+            </a:lnRef>
+            <a:fillRef idx="1">
+              <a:schemeClr val="lt1"/>
+            </a:fillRef>
+            <a:effectRef idx="0">
+              <a:schemeClr val="accent5"/>
+            </a:effectRef>
+            <a:fontRef idx="minor">
+              <a:schemeClr val="dk1"/>
+            </a:fontRef>
+          </p:style>
+          <p:txBody>
+            <a:bodyPr rtlCol="0" anchor="ctr"/>
+            <a:lstStyle/>
+            <a:p>
+              <a:pPr algn="ctr"/>
+              <a:endParaRPr lang="zh-CN" altLang="en-US"/>
+            </a:p>
+          </p:txBody>
+        </p:sp>
+        <p:sp>
+          <p:nvSpPr>
+            <p:cNvPr id="105" name="文本框 104">
+              <a:extLst>
+                <a:ext uri="{FF2B5EF4-FFF2-40B4-BE49-F238E27FC236}">
+                  <a16:creationId xmlns:a16="http://schemas.microsoft.com/office/drawing/2014/main" id="{BC804E6E-C581-48A4-A474-FCC0DFB66783}"/>
+                </a:ext>
+              </a:extLst>
+            </p:cNvPr>
+            <p:cNvSpPr txBox="1"/>
+            <p:nvPr/>
+          </p:nvSpPr>
+          <p:spPr>
+            <a:xfrm>
+              <a:off x="2462450" y="3984913"/>
+              <a:ext cx="580698" cy="368454"/>
+            </a:xfrm>
+            <a:prstGeom prst="rect">
+              <a:avLst/>
+            </a:prstGeom>
+            <a:ln>
+              <a:noFill/>
+            </a:ln>
+          </p:spPr>
+          <p:style>
+            <a:lnRef idx="2">
+              <a:schemeClr val="accent5"/>
+            </a:lnRef>
+            <a:fillRef idx="1">
+              <a:schemeClr val="lt1"/>
+            </a:fillRef>
+            <a:effectRef idx="0">
+              <a:schemeClr val="accent5"/>
+            </a:effectRef>
+            <a:fontRef idx="minor">
+              <a:schemeClr val="dk1"/>
+            </a:fontRef>
+          </p:style>
+          <p:txBody>
+            <a:bodyPr wrap="square" rtlCol="0">
+              <a:spAutoFit/>
+            </a:bodyPr>
+            <a:lstStyle/>
+            <a:p>
+              <a:pPr algn="ctr"/>
+              <a:r>
+                <a:rPr lang="en-US" altLang="zh-CN" sz="1050">
+                  <a:solidFill>
+                    <a:srgbClr val="0070C0"/>
+                  </a:solidFill>
+                </a:rPr>
+                <a:t>1M</a:t>
+              </a:r>
+            </a:p>
+          </p:txBody>
+        </p:sp>
+      </p:grpSp>
+      <p:cxnSp>
+        <p:nvCxnSpPr>
+          <p:cNvPr id="106" name="直接箭头连接符 27">
+            <a:extLst>
+              <a:ext uri="{FF2B5EF4-FFF2-40B4-BE49-F238E27FC236}">
+                <a16:creationId xmlns:a16="http://schemas.microsoft.com/office/drawing/2014/main" id="{32D055AC-9B8A-4AFD-8E89-93E625F45319}"/>
+              </a:ext>
+            </a:extLst>
+          </p:cNvPr>
+          <p:cNvCxnSpPr>
+            <a:cxnSpLocks/>
+            <a:stCxn id="102" idx="2"/>
+            <a:endCxn id="104" idx="1"/>
+          </p:cNvCxnSpPr>
+          <p:nvPr/>
+        </p:nvCxnSpPr>
+        <p:spPr>
+          <a:xfrm rot="5400000">
+            <a:off x="548495" y="1607389"/>
+            <a:ext cx="364310" cy="93340"/>
+          </a:xfrm>
+          <a:prstGeom prst="bentConnector3">
+            <a:avLst>
+              <a:gd name="adj1" fmla="val 50000"/>
+            </a:avLst>
+          </a:prstGeom>
+          <a:ln>
+            <a:tailEnd type="triangle"/>
+          </a:ln>
+        </p:spPr>
+        <p:style>
+          <a:lnRef idx="1">
+            <a:schemeClr val="accent1"/>
+          </a:lnRef>
+          <a:fillRef idx="0">
+            <a:schemeClr val="accent1"/>
+          </a:fillRef>
+          <a:effectRef idx="0">
+            <a:schemeClr val="accent1"/>
+          </a:effectRef>
+          <a:fontRef idx="minor">
+            <a:schemeClr val="tx1"/>
+          </a:fontRef>
+        </p:style>
+      </p:cxnSp>
+      <p:sp>
+        <p:nvSpPr>
+          <p:cNvPr id="109" name="矩形: 圆角 108">
+            <a:extLst>
+              <a:ext uri="{FF2B5EF4-FFF2-40B4-BE49-F238E27FC236}">
+                <a16:creationId xmlns:a16="http://schemas.microsoft.com/office/drawing/2014/main" id="{D17411F2-4086-4567-9C6E-B2ABF19ED849}"/>
+              </a:ext>
+            </a:extLst>
+          </p:cNvPr>
+          <p:cNvSpPr/>
+          <p:nvPr/>
+        </p:nvSpPr>
+        <p:spPr>
+          <a:xfrm>
+            <a:off x="1654071" y="2603022"/>
+            <a:ext cx="768663" cy="373777"/>
+          </a:xfrm>
+          <a:prstGeom prst="roundRect">
+            <a:avLst>
+              <a:gd name="adj" fmla="val 4740"/>
+            </a:avLst>
+          </a:prstGeom>
+        </p:spPr>
+        <p:style>
+          <a:lnRef idx="2">
+            <a:schemeClr val="accent3"/>
+          </a:lnRef>
+          <a:fillRef idx="1">
+            <a:schemeClr val="lt1"/>
+          </a:fillRef>
+          <a:effectRef idx="0">
+            <a:schemeClr val="accent3"/>
+          </a:effectRef>
+          <a:fontRef idx="minor">
+            <a:schemeClr val="dk1"/>
+          </a:fontRef>
+        </p:style>
+        <p:txBody>
+          <a:bodyPr rtlCol="0" anchor="ctr"/>
+          <a:lstStyle/>
+          <a:p>
+            <a:pPr algn="ctr"/>
+            <a:r>
+              <a:rPr lang="en-US" altLang="zh-CN" sz="1050" b="1"/>
+              <a:t>Syncer</a:t>
+            </a:r>
+            <a:endParaRPr lang="zh-CN" altLang="en-US" sz="1050" b="1"/>
+          </a:p>
+        </p:txBody>
+      </p:sp>
+      <p:cxnSp>
+        <p:nvCxnSpPr>
+          <p:cNvPr id="110" name="直接箭头连接符 27">
+            <a:extLst>
+              <a:ext uri="{FF2B5EF4-FFF2-40B4-BE49-F238E27FC236}">
+                <a16:creationId xmlns:a16="http://schemas.microsoft.com/office/drawing/2014/main" id="{31099ED3-CBF5-46D8-BD7A-651CDBE0F410}"/>
+              </a:ext>
+            </a:extLst>
+          </p:cNvPr>
+          <p:cNvCxnSpPr>
+            <a:cxnSpLocks/>
+            <a:stCxn id="105" idx="2"/>
+            <a:endCxn id="109" idx="1"/>
+          </p:cNvCxnSpPr>
+          <p:nvPr/>
+        </p:nvCxnSpPr>
+        <p:spPr>
+          <a:xfrm rot="16200000" flipH="1">
+            <a:off x="883959" y="2019799"/>
+            <a:ext cx="549084" cy="991139"/>
+          </a:xfrm>
+          <a:prstGeom prst="bentConnector2">
+            <a:avLst/>
+          </a:prstGeom>
+          <a:ln>
+            <a:tailEnd type="triangle"/>
+          </a:ln>
+        </p:spPr>
+        <p:style>
+          <a:lnRef idx="1">
+            <a:schemeClr val="accent1"/>
+          </a:lnRef>
+          <a:fillRef idx="0">
+            <a:schemeClr val="accent1"/>
+          </a:fillRef>
+          <a:effectRef idx="0">
+            <a:schemeClr val="accent1"/>
+          </a:effectRef>
+          <a:fontRef idx="minor">
+            <a:schemeClr val="tx1"/>
+          </a:fontRef>
+        </p:style>
+      </p:cxnSp>
+      <p:cxnSp>
+        <p:nvCxnSpPr>
+          <p:cNvPr id="113" name="直接箭头连接符 27">
+            <a:extLst>
+              <a:ext uri="{FF2B5EF4-FFF2-40B4-BE49-F238E27FC236}">
+                <a16:creationId xmlns:a16="http://schemas.microsoft.com/office/drawing/2014/main" id="{D588D338-AE50-4F78-BECE-E3A8419FA54C}"/>
+              </a:ext>
+            </a:extLst>
+          </p:cNvPr>
+          <p:cNvCxnSpPr>
+            <a:cxnSpLocks/>
+            <a:stCxn id="109" idx="0"/>
+            <a:endCxn id="101" idx="1"/>
+          </p:cNvCxnSpPr>
+          <p:nvPr/>
+        </p:nvCxnSpPr>
+        <p:spPr>
+          <a:xfrm rot="5400000" flipH="1" flipV="1">
+            <a:off x="1813072" y="2157901"/>
+            <a:ext cx="670452" cy="219791"/>
+          </a:xfrm>
+          <a:prstGeom prst="bentConnector2">
+            <a:avLst/>
+          </a:prstGeom>
+          <a:ln>
+            <a:tailEnd type="triangle"/>
+          </a:ln>
+        </p:spPr>
+        <p:style>
+          <a:lnRef idx="1">
+            <a:schemeClr val="accent1"/>
+          </a:lnRef>
+          <a:fillRef idx="0">
+            <a:schemeClr val="accent1"/>
+          </a:fillRef>
+          <a:effectRef idx="0">
+            <a:schemeClr val="accent1"/>
+          </a:effectRef>
+          <a:fontRef idx="minor">
+            <a:schemeClr val="tx1"/>
+          </a:fontRef>
+        </p:style>
+      </p:cxnSp>
+      <p:sp>
+        <p:nvSpPr>
+          <p:cNvPr id="120" name="矩形: 圆角 119">
+            <a:extLst>
+              <a:ext uri="{FF2B5EF4-FFF2-40B4-BE49-F238E27FC236}">
+                <a16:creationId xmlns:a16="http://schemas.microsoft.com/office/drawing/2014/main" id="{44C6C000-8131-4012-8015-277D392CF52A}"/>
+              </a:ext>
+            </a:extLst>
+          </p:cNvPr>
+          <p:cNvSpPr/>
+          <p:nvPr/>
+        </p:nvSpPr>
+        <p:spPr>
+          <a:xfrm>
+            <a:off x="2654788" y="2603022"/>
+            <a:ext cx="768663" cy="373777"/>
+          </a:xfrm>
+          <a:prstGeom prst="roundRect">
+            <a:avLst>
+              <a:gd name="adj" fmla="val 4740"/>
+            </a:avLst>
+          </a:prstGeom>
+        </p:spPr>
+        <p:style>
+          <a:lnRef idx="2">
+            <a:schemeClr val="accent3"/>
+          </a:lnRef>
+          <a:fillRef idx="1">
+            <a:schemeClr val="lt1"/>
+          </a:fillRef>
+          <a:effectRef idx="0">
+            <a:schemeClr val="accent3"/>
+          </a:effectRef>
+          <a:fontRef idx="minor">
+            <a:schemeClr val="dk1"/>
+          </a:fontRef>
+        </p:style>
+        <p:txBody>
+          <a:bodyPr rtlCol="0" anchor="ctr"/>
+          <a:lstStyle/>
+          <a:p>
+            <a:pPr algn="ctr"/>
+            <a:r>
+              <a:rPr lang="en-US" altLang="zh-CN" sz="1050" b="1"/>
+              <a:t>ST</a:t>
+            </a:r>
+            <a:endParaRPr lang="zh-CN" altLang="en-US" sz="1050" b="1"/>
+          </a:p>
+        </p:txBody>
+      </p:sp>
+      <p:sp>
+        <p:nvSpPr>
+          <p:cNvPr id="121" name="矩形: 圆角 120">
+            <a:extLst>
+              <a:ext uri="{FF2B5EF4-FFF2-40B4-BE49-F238E27FC236}">
+                <a16:creationId xmlns:a16="http://schemas.microsoft.com/office/drawing/2014/main" id="{F2DD738C-0685-47A4-ACA6-BB087116DCFE}"/>
+              </a:ext>
+            </a:extLst>
+          </p:cNvPr>
+          <p:cNvSpPr/>
+          <p:nvPr/>
+        </p:nvSpPr>
+        <p:spPr>
+          <a:xfrm>
+            <a:off x="2783190" y="2714037"/>
+            <a:ext cx="768663" cy="373777"/>
+          </a:xfrm>
+          <a:prstGeom prst="roundRect">
+            <a:avLst>
+              <a:gd name="adj" fmla="val 4740"/>
+            </a:avLst>
+          </a:prstGeom>
+        </p:spPr>
+        <p:style>
+          <a:lnRef idx="2">
+            <a:schemeClr val="accent3"/>
+          </a:lnRef>
+          <a:fillRef idx="1">
+            <a:schemeClr val="lt1"/>
+          </a:fillRef>
+          <a:effectRef idx="0">
+            <a:schemeClr val="accent3"/>
+          </a:effectRef>
+          <a:fontRef idx="minor">
+            <a:schemeClr val="dk1"/>
+          </a:fontRef>
+        </p:style>
+        <p:txBody>
+          <a:bodyPr rtlCol="0" anchor="ctr"/>
+          <a:lstStyle/>
+          <a:p>
+            <a:pPr algn="ctr"/>
+            <a:r>
+              <a:rPr lang="en-US" altLang="zh-CN" sz="1050" b="1"/>
+              <a:t>ST</a:t>
+            </a:r>
+            <a:endParaRPr lang="zh-CN" altLang="en-US" sz="1050" b="1"/>
+          </a:p>
+        </p:txBody>
+      </p:sp>
+      <p:cxnSp>
+        <p:nvCxnSpPr>
+          <p:cNvPr id="122" name="直接箭头连接符 27">
+            <a:extLst>
+              <a:ext uri="{FF2B5EF4-FFF2-40B4-BE49-F238E27FC236}">
+                <a16:creationId xmlns:a16="http://schemas.microsoft.com/office/drawing/2014/main" id="{3392D1AF-08ED-4A5C-A47A-6486E3D8374A}"/>
+              </a:ext>
+            </a:extLst>
+          </p:cNvPr>
+          <p:cNvCxnSpPr>
+            <a:cxnSpLocks/>
+            <a:stCxn id="101" idx="2"/>
+            <a:endCxn id="120" idx="0"/>
+          </p:cNvCxnSpPr>
+          <p:nvPr/>
+        </p:nvCxnSpPr>
+        <p:spPr>
+          <a:xfrm rot="16200000" flipH="1">
+            <a:off x="2696637" y="2260539"/>
+            <a:ext cx="400068" cy="284897"/>
+          </a:xfrm>
+          <a:prstGeom prst="bentConnector3">
+            <a:avLst>
+              <a:gd name="adj1" fmla="val 31128"/>
+            </a:avLst>
+          </a:prstGeom>
+          <a:ln>
+            <a:tailEnd type="triangle"/>
+          </a:ln>
+        </p:spPr>
+        <p:style>
+          <a:lnRef idx="1">
+            <a:schemeClr val="accent1"/>
+          </a:lnRef>
+          <a:fillRef idx="0">
+            <a:schemeClr val="accent1"/>
+          </a:fillRef>
+          <a:effectRef idx="0">
+            <a:schemeClr val="accent1"/>
+          </a:effectRef>
+          <a:fontRef idx="minor">
+            <a:schemeClr val="tx1"/>
+          </a:fontRef>
+        </p:style>
+      </p:cxnSp>
+      <p:sp>
+        <p:nvSpPr>
+          <p:cNvPr id="17" name="左大括号 16">
+            <a:extLst>
+              <a:ext uri="{FF2B5EF4-FFF2-40B4-BE49-F238E27FC236}">
+                <a16:creationId xmlns:a16="http://schemas.microsoft.com/office/drawing/2014/main" id="{701E3BFA-6EA5-44F7-9F04-E3BBAB80B3CD}"/>
+              </a:ext>
+            </a:extLst>
+          </p:cNvPr>
+          <p:cNvSpPr/>
+          <p:nvPr/>
+        </p:nvSpPr>
+        <p:spPr>
+          <a:xfrm>
+            <a:off x="5511812" y="822909"/>
+            <a:ext cx="327428" cy="3614228"/>
+          </a:xfrm>
+          <a:prstGeom prst="leftBrace">
+            <a:avLst>
+              <a:gd name="adj1" fmla="val 8333"/>
+              <a:gd name="adj2" fmla="val 48375"/>
+            </a:avLst>
+          </a:prstGeom>
+        </p:spPr>
+        <p:style>
+          <a:lnRef idx="1">
+            <a:schemeClr val="accent1"/>
+          </a:lnRef>
+          <a:fillRef idx="0">
+            <a:schemeClr val="accent1"/>
+          </a:fillRef>
+          <a:effectRef idx="0">
+            <a:schemeClr val="accent1"/>
+          </a:effectRef>
+          <a:fontRef idx="minor">
+            <a:schemeClr val="tx1"/>
+          </a:fontRef>
+        </p:style>
+        <p:txBody>
+          <a:bodyPr rtlCol="0" anchor="ctr"/>
+          <a:lstStyle/>
+          <a:p>
+            <a:pPr algn="ctr"/>
+            <a:endParaRPr lang="zh-CN" altLang="en-US"/>
+          </a:p>
+        </p:txBody>
+      </p:sp>
+      <p:cxnSp>
+        <p:nvCxnSpPr>
+          <p:cNvPr id="127" name="直接箭头连接符 27">
+            <a:extLst>
+              <a:ext uri="{FF2B5EF4-FFF2-40B4-BE49-F238E27FC236}">
+                <a16:creationId xmlns:a16="http://schemas.microsoft.com/office/drawing/2014/main" id="{A5831E09-3E5C-4C87-BF64-35009B793C7A}"/>
+              </a:ext>
+            </a:extLst>
+          </p:cNvPr>
+          <p:cNvCxnSpPr>
+            <a:cxnSpLocks/>
+          </p:cNvCxnSpPr>
+          <p:nvPr/>
+        </p:nvCxnSpPr>
+        <p:spPr>
+          <a:xfrm>
+            <a:off x="3039120" y="1891470"/>
+            <a:ext cx="2472692" cy="233515"/>
+          </a:xfrm>
+          <a:prstGeom prst="bentConnector3">
+            <a:avLst>
+              <a:gd name="adj1" fmla="val 50000"/>
+            </a:avLst>
+          </a:prstGeom>
+          <a:ln>
+            <a:tailEnd type="triangle"/>
+          </a:ln>
+        </p:spPr>
+        <p:style>
+          <a:lnRef idx="1">
+            <a:schemeClr val="accent1"/>
+          </a:lnRef>
+          <a:fillRef idx="0">
+            <a:schemeClr val="accent1"/>
+          </a:fillRef>
+          <a:effectRef idx="0">
+            <a:schemeClr val="accent1"/>
+          </a:effectRef>
+          <a:fontRef idx="minor">
+            <a:schemeClr val="tx1"/>
+          </a:fontRef>
+        </p:style>
+      </p:cxnSp>
     </p:spTree>
     <p:extLst>
       <p:ext uri="{BB962C8B-B14F-4D97-AF65-F5344CB8AC3E}">
-        <p14:creationId xmlns:p14="http://schemas.microsoft.com/office/powerpoint/2010/main" val="2996803068"/>
+        <p14:creationId xmlns:p14="http://schemas.microsoft.com/office/powerpoint/2010/main" val="136646059"/>
       </p:ext>
     </p:extLst>
   </p:cSld>
@@ -13354,6 +13735,2679 @@
     <p:extLst>
       <p:ext uri="{BB962C8B-B14F-4D97-AF65-F5344CB8AC3E}">
         <p14:creationId xmlns:p14="http://schemas.microsoft.com/office/powerpoint/2010/main" val="728545792"/>
+      </p:ext>
+    </p:extLst>
+  </p:cSld>
+  <p:clrMapOvr>
+    <a:masterClrMapping/>
+  </p:clrMapOvr>
+</p:sld>
+</file>
+
+<file path=ppt/slides/slide4.xml><?xml version="1.0" encoding="utf-8"?>
+<p:sld xmlns:a="http://schemas.openxmlformats.org/drawingml/2006/main" xmlns:r="http://schemas.openxmlformats.org/officeDocument/2006/relationships" xmlns:p="http://schemas.openxmlformats.org/presentationml/2006/main">
+  <p:cSld>
+    <p:spTree>
+      <p:nvGrpSpPr>
+        <p:cNvPr id="1" name=""/>
+        <p:cNvGrpSpPr/>
+        <p:nvPr/>
+      </p:nvGrpSpPr>
+      <p:grpSpPr>
+        <a:xfrm>
+          <a:off x="0" y="0"/>
+          <a:ext cx="0" cy="0"/>
+          <a:chOff x="0" y="0"/>
+          <a:chExt cx="0" cy="0"/>
+        </a:xfrm>
+      </p:grpSpPr>
+      <p:sp>
+        <p:nvSpPr>
+          <p:cNvPr id="48" name="矩形 47">
+            <a:extLst>
+              <a:ext uri="{FF2B5EF4-FFF2-40B4-BE49-F238E27FC236}">
+                <a16:creationId xmlns:a16="http://schemas.microsoft.com/office/drawing/2014/main" id="{A2D56334-DFCC-4629-91B8-F236B6B0EE80}"/>
+              </a:ext>
+            </a:extLst>
+          </p:cNvPr>
+          <p:cNvSpPr/>
+          <p:nvPr/>
+        </p:nvSpPr>
+        <p:spPr>
+          <a:xfrm>
+            <a:off x="4142414" y="3316668"/>
+            <a:ext cx="1649685" cy="1289040"/>
+          </a:xfrm>
+          <a:prstGeom prst="rect">
+            <a:avLst/>
+          </a:prstGeom>
+          <a:effectLst>
+            <a:outerShdw blurRad="50800" dist="38100" dir="2700000" algn="tl" rotWithShape="0">
+              <a:prstClr val="black">
+                <a:alpha val="40000"/>
+              </a:prstClr>
+            </a:outerShdw>
+          </a:effectLst>
+        </p:spPr>
+        <p:style>
+          <a:lnRef idx="2">
+            <a:schemeClr val="dk1"/>
+          </a:lnRef>
+          <a:fillRef idx="1">
+            <a:schemeClr val="lt1"/>
+          </a:fillRef>
+          <a:effectRef idx="0">
+            <a:schemeClr val="dk1"/>
+          </a:effectRef>
+          <a:fontRef idx="minor">
+            <a:schemeClr val="dk1"/>
+          </a:fontRef>
+        </p:style>
+        <p:txBody>
+          <a:bodyPr rtlCol="0" anchor="t"/>
+          <a:lstStyle/>
+          <a:p>
+            <a:pPr algn="ctr"/>
+            <a:r>
+              <a:rPr lang="en-US" altLang="zh-CN" sz="1000" b="1"/>
+              <a:t>NODE</a:t>
+            </a:r>
+            <a:endParaRPr lang="zh-CN" altLang="en-US" sz="1000" b="1"/>
+          </a:p>
+        </p:txBody>
+      </p:sp>
+      <p:sp>
+        <p:nvSpPr>
+          <p:cNvPr id="49" name="矩形: 圆角 48">
+            <a:extLst>
+              <a:ext uri="{FF2B5EF4-FFF2-40B4-BE49-F238E27FC236}">
+                <a16:creationId xmlns:a16="http://schemas.microsoft.com/office/drawing/2014/main" id="{EB8C67B6-E9C3-432A-A9FB-8A850DC605E7}"/>
+              </a:ext>
+            </a:extLst>
+          </p:cNvPr>
+          <p:cNvSpPr/>
+          <p:nvPr/>
+        </p:nvSpPr>
+        <p:spPr>
+          <a:xfrm>
+            <a:off x="4833054" y="3732651"/>
+            <a:ext cx="830470" cy="335735"/>
+          </a:xfrm>
+          <a:prstGeom prst="roundRect">
+            <a:avLst>
+              <a:gd name="adj" fmla="val 7343"/>
+            </a:avLst>
+          </a:prstGeom>
+        </p:spPr>
+        <p:style>
+          <a:lnRef idx="2">
+            <a:schemeClr val="dk1"/>
+          </a:lnRef>
+          <a:fillRef idx="1">
+            <a:schemeClr val="lt1"/>
+          </a:fillRef>
+          <a:effectRef idx="0">
+            <a:schemeClr val="dk1"/>
+          </a:effectRef>
+          <a:fontRef idx="minor">
+            <a:schemeClr val="dk1"/>
+          </a:fontRef>
+        </p:style>
+        <p:txBody>
+          <a:bodyPr rtlCol="0" anchor="ctr"/>
+          <a:lstStyle/>
+          <a:p>
+            <a:pPr algn="ctr"/>
+            <a:r>
+              <a:rPr lang="en-US" altLang="zh-CN" sz="1000" i="1">
+                <a:solidFill>
+                  <a:schemeClr val="tx1"/>
+                </a:solidFill>
+              </a:rPr>
+              <a:t> Worker </a:t>
+            </a:r>
+            <a:endParaRPr lang="zh-CN" altLang="en-US" sz="1000" i="1">
+              <a:solidFill>
+                <a:schemeClr val="tx1"/>
+              </a:solidFill>
+            </a:endParaRPr>
+          </a:p>
+        </p:txBody>
+      </p:sp>
+      <p:sp>
+        <p:nvSpPr>
+          <p:cNvPr id="50" name="矩形 49">
+            <a:extLst>
+              <a:ext uri="{FF2B5EF4-FFF2-40B4-BE49-F238E27FC236}">
+                <a16:creationId xmlns:a16="http://schemas.microsoft.com/office/drawing/2014/main" id="{A953C5DB-1B8C-45DA-BE77-7EB24E8242F1}"/>
+              </a:ext>
+            </a:extLst>
+          </p:cNvPr>
+          <p:cNvSpPr/>
+          <p:nvPr/>
+        </p:nvSpPr>
+        <p:spPr>
+          <a:xfrm>
+            <a:off x="622723" y="2990447"/>
+            <a:ext cx="2740667" cy="3386106"/>
+          </a:xfrm>
+          <a:prstGeom prst="rect">
+            <a:avLst/>
+          </a:prstGeom>
+        </p:spPr>
+        <p:style>
+          <a:lnRef idx="2">
+            <a:schemeClr val="dk1"/>
+          </a:lnRef>
+          <a:fillRef idx="1">
+            <a:schemeClr val="lt1"/>
+          </a:fillRef>
+          <a:effectRef idx="0">
+            <a:schemeClr val="dk1"/>
+          </a:effectRef>
+          <a:fontRef idx="minor">
+            <a:schemeClr val="dk1"/>
+          </a:fontRef>
+        </p:style>
+        <p:txBody>
+          <a:bodyPr rtlCol="0" anchor="t"/>
+          <a:lstStyle/>
+          <a:p>
+            <a:pPr algn="ctr"/>
+            <a:r>
+              <a:rPr lang="en-US" altLang="zh-CN" sz="1000" b="1"/>
+              <a:t>PROJECT</a:t>
+            </a:r>
+          </a:p>
+          <a:p>
+            <a:pPr algn="ctr"/>
+            <a:r>
+              <a:rPr lang="en-US" altLang="zh-CN" sz="1000" b="1"/>
+              <a:t>&lt;USER&gt;</a:t>
+            </a:r>
+            <a:endParaRPr lang="zh-CN" altLang="en-US" sz="1000" b="1"/>
+          </a:p>
+        </p:txBody>
+      </p:sp>
+      <p:sp>
+        <p:nvSpPr>
+          <p:cNvPr id="51" name="文本框 50">
+            <a:extLst>
+              <a:ext uri="{FF2B5EF4-FFF2-40B4-BE49-F238E27FC236}">
+                <a16:creationId xmlns:a16="http://schemas.microsoft.com/office/drawing/2014/main" id="{6105FA4D-5287-4986-8187-CC104B08D011}"/>
+              </a:ext>
+            </a:extLst>
+          </p:cNvPr>
+          <p:cNvSpPr txBox="1"/>
+          <p:nvPr/>
+        </p:nvSpPr>
+        <p:spPr>
+          <a:xfrm>
+            <a:off x="435572" y="492866"/>
+            <a:ext cx="1343638" cy="400110"/>
+          </a:xfrm>
+          <a:prstGeom prst="rect">
+            <a:avLst/>
+          </a:prstGeom>
+          <a:noFill/>
+        </p:spPr>
+        <p:txBody>
+          <a:bodyPr wrap="none" rtlCol="0">
+            <a:spAutoFit/>
+          </a:bodyPr>
+          <a:lstStyle/>
+          <a:p>
+            <a:r>
+              <a:rPr lang="en-US" altLang="zh-CN" sz="2000" b="1"/>
+              <a:t>ConeTedy</a:t>
+            </a:r>
+            <a:endParaRPr lang="zh-CN" altLang="en-US" sz="2000" b="1"/>
+          </a:p>
+        </p:txBody>
+      </p:sp>
+      <p:sp>
+        <p:nvSpPr>
+          <p:cNvPr id="52" name="文本框 51">
+            <a:extLst>
+              <a:ext uri="{FF2B5EF4-FFF2-40B4-BE49-F238E27FC236}">
+                <a16:creationId xmlns:a16="http://schemas.microsoft.com/office/drawing/2014/main" id="{7F5B10AD-81B8-4D1F-9A27-724565905CCD}"/>
+              </a:ext>
+            </a:extLst>
+          </p:cNvPr>
+          <p:cNvSpPr txBox="1"/>
+          <p:nvPr/>
+        </p:nvSpPr>
+        <p:spPr>
+          <a:xfrm>
+            <a:off x="761785" y="6076898"/>
+            <a:ext cx="1244251" cy="246221"/>
+          </a:xfrm>
+          <a:prstGeom prst="rect">
+            <a:avLst/>
+          </a:prstGeom>
+          <a:noFill/>
+        </p:spPr>
+        <p:txBody>
+          <a:bodyPr wrap="none" rtlCol="0">
+            <a:spAutoFit/>
+          </a:bodyPr>
+          <a:lstStyle/>
+          <a:p>
+            <a:r>
+              <a:rPr lang="en-US" altLang="zh-CN" sz="1000" b="1" i="1" u="sng"/>
+              <a:t>cone-project.toml</a:t>
+            </a:r>
+            <a:endParaRPr lang="zh-CN" altLang="en-US" sz="1000" b="1" i="1" u="sng"/>
+          </a:p>
+        </p:txBody>
+      </p:sp>
+      <p:sp>
+        <p:nvSpPr>
+          <p:cNvPr id="53" name="矩形 52">
+            <a:extLst>
+              <a:ext uri="{FF2B5EF4-FFF2-40B4-BE49-F238E27FC236}">
+                <a16:creationId xmlns:a16="http://schemas.microsoft.com/office/drawing/2014/main" id="{7EFFDB63-B67C-409F-8DD2-62D868D9E283}"/>
+              </a:ext>
+            </a:extLst>
+          </p:cNvPr>
+          <p:cNvSpPr/>
+          <p:nvPr/>
+        </p:nvSpPr>
+        <p:spPr>
+          <a:xfrm>
+            <a:off x="850855" y="3613823"/>
+            <a:ext cx="1501496" cy="1282492"/>
+          </a:xfrm>
+          <a:prstGeom prst="rect">
+            <a:avLst/>
+          </a:prstGeom>
+        </p:spPr>
+        <p:style>
+          <a:lnRef idx="2">
+            <a:schemeClr val="dk1"/>
+          </a:lnRef>
+          <a:fillRef idx="1">
+            <a:schemeClr val="lt1"/>
+          </a:fillRef>
+          <a:effectRef idx="0">
+            <a:schemeClr val="dk1"/>
+          </a:effectRef>
+          <a:fontRef idx="minor">
+            <a:schemeClr val="dk1"/>
+          </a:fontRef>
+        </p:style>
+        <p:txBody>
+          <a:bodyPr rtlCol="0" anchor="ctr"/>
+          <a:lstStyle/>
+          <a:p>
+            <a:pPr algn="ctr"/>
+            <a:r>
+              <a:rPr lang="en-US" altLang="zh-CN" sz="1000" b="1"/>
+              <a:t>main_entry( )</a:t>
+            </a:r>
+            <a:endParaRPr lang="zh-CN" altLang="en-US" sz="1000" b="1"/>
+          </a:p>
+        </p:txBody>
+      </p:sp>
+      <p:sp>
+        <p:nvSpPr>
+          <p:cNvPr id="54" name="矩形: 圆角 53">
+            <a:extLst>
+              <a:ext uri="{FF2B5EF4-FFF2-40B4-BE49-F238E27FC236}">
+                <a16:creationId xmlns:a16="http://schemas.microsoft.com/office/drawing/2014/main" id="{9C5BBB6E-C480-4E20-8B6A-95657C565954}"/>
+              </a:ext>
+            </a:extLst>
+          </p:cNvPr>
+          <p:cNvSpPr/>
+          <p:nvPr/>
+        </p:nvSpPr>
+        <p:spPr>
+          <a:xfrm>
+            <a:off x="1676634" y="5039912"/>
+            <a:ext cx="659626" cy="457422"/>
+          </a:xfrm>
+          <a:prstGeom prst="roundRect">
+            <a:avLst>
+              <a:gd name="adj" fmla="val 7343"/>
+            </a:avLst>
+          </a:prstGeom>
+        </p:spPr>
+        <p:style>
+          <a:lnRef idx="2">
+            <a:schemeClr val="accent3"/>
+          </a:lnRef>
+          <a:fillRef idx="1">
+            <a:schemeClr val="lt1"/>
+          </a:fillRef>
+          <a:effectRef idx="0">
+            <a:schemeClr val="accent3"/>
+          </a:effectRef>
+          <a:fontRef idx="minor">
+            <a:schemeClr val="dk1"/>
+          </a:fontRef>
+        </p:style>
+        <p:txBody>
+          <a:bodyPr rtlCol="0" anchor="ctr"/>
+          <a:lstStyle/>
+          <a:p>
+            <a:pPr algn="ctr"/>
+            <a:r>
+              <a:rPr lang="en-US" altLang="zh-CN" sz="1000" b="1" i="1">
+                <a:solidFill>
+                  <a:schemeClr val="tx1"/>
+                </a:solidFill>
+              </a:rPr>
+              <a:t>splitter</a:t>
+            </a:r>
+          </a:p>
+        </p:txBody>
+      </p:sp>
+      <p:sp>
+        <p:nvSpPr>
+          <p:cNvPr id="55" name="矩形 54">
+            <a:extLst>
+              <a:ext uri="{FF2B5EF4-FFF2-40B4-BE49-F238E27FC236}">
+                <a16:creationId xmlns:a16="http://schemas.microsoft.com/office/drawing/2014/main" id="{4382F3BE-3D26-428D-B36F-EA868A86EE23}"/>
+              </a:ext>
+            </a:extLst>
+          </p:cNvPr>
+          <p:cNvSpPr/>
+          <p:nvPr/>
+        </p:nvSpPr>
+        <p:spPr>
+          <a:xfrm>
+            <a:off x="6968127" y="4141242"/>
+            <a:ext cx="1193192" cy="1054523"/>
+          </a:xfrm>
+          <a:custGeom>
+            <a:avLst/>
+            <a:gdLst>
+              <a:gd name="connsiteX0" fmla="*/ 0 w 1193192"/>
+              <a:gd name="connsiteY0" fmla="*/ 0 h 1054523"/>
+              <a:gd name="connsiteX1" fmla="*/ 572732 w 1193192"/>
+              <a:gd name="connsiteY1" fmla="*/ 0 h 1054523"/>
+              <a:gd name="connsiteX2" fmla="*/ 1193192 w 1193192"/>
+              <a:gd name="connsiteY2" fmla="*/ 0 h 1054523"/>
+              <a:gd name="connsiteX3" fmla="*/ 1193192 w 1193192"/>
+              <a:gd name="connsiteY3" fmla="*/ 548352 h 1054523"/>
+              <a:gd name="connsiteX4" fmla="*/ 1193192 w 1193192"/>
+              <a:gd name="connsiteY4" fmla="*/ 1054523 h 1054523"/>
+              <a:gd name="connsiteX5" fmla="*/ 584664 w 1193192"/>
+              <a:gd name="connsiteY5" fmla="*/ 1054523 h 1054523"/>
+              <a:gd name="connsiteX6" fmla="*/ 0 w 1193192"/>
+              <a:gd name="connsiteY6" fmla="*/ 1054523 h 1054523"/>
+              <a:gd name="connsiteX7" fmla="*/ 0 w 1193192"/>
+              <a:gd name="connsiteY7" fmla="*/ 506171 h 1054523"/>
+              <a:gd name="connsiteX8" fmla="*/ 0 w 1193192"/>
+              <a:gd name="connsiteY8" fmla="*/ 0 h 1054523"/>
+            </a:gdLst>
+            <a:ahLst/>
+            <a:cxnLst>
+              <a:cxn ang="0">
+                <a:pos x="connsiteX0" y="connsiteY0"/>
+              </a:cxn>
+              <a:cxn ang="0">
+                <a:pos x="connsiteX1" y="connsiteY1"/>
+              </a:cxn>
+              <a:cxn ang="0">
+                <a:pos x="connsiteX2" y="connsiteY2"/>
+              </a:cxn>
+              <a:cxn ang="0">
+                <a:pos x="connsiteX3" y="connsiteY3"/>
+              </a:cxn>
+              <a:cxn ang="0">
+                <a:pos x="connsiteX4" y="connsiteY4"/>
+              </a:cxn>
+              <a:cxn ang="0">
+                <a:pos x="connsiteX5" y="connsiteY5"/>
+              </a:cxn>
+              <a:cxn ang="0">
+                <a:pos x="connsiteX6" y="connsiteY6"/>
+              </a:cxn>
+              <a:cxn ang="0">
+                <a:pos x="connsiteX7" y="connsiteY7"/>
+              </a:cxn>
+              <a:cxn ang="0">
+                <a:pos x="connsiteX8" y="connsiteY8"/>
+              </a:cxn>
+            </a:cxnLst>
+            <a:rect l="l" t="t" r="r" b="b"/>
+            <a:pathLst>
+              <a:path w="1193192" h="1054523" fill="none" extrusionOk="0">
+                <a:moveTo>
+                  <a:pt x="0" y="0"/>
+                </a:moveTo>
+                <a:cubicBezTo>
+                  <a:pt x="152533" y="-14556"/>
+                  <a:pt x="379226" y="-16357"/>
+                  <a:pt x="572732" y="0"/>
+                </a:cubicBezTo>
+                <a:cubicBezTo>
+                  <a:pt x="766238" y="16357"/>
+                  <a:pt x="919328" y="-25242"/>
+                  <a:pt x="1193192" y="0"/>
+                </a:cubicBezTo>
+                <a:cubicBezTo>
+                  <a:pt x="1177696" y="135072"/>
+                  <a:pt x="1196168" y="436237"/>
+                  <a:pt x="1193192" y="548352"/>
+                </a:cubicBezTo>
+                <a:cubicBezTo>
+                  <a:pt x="1190216" y="660467"/>
+                  <a:pt x="1200378" y="895974"/>
+                  <a:pt x="1193192" y="1054523"/>
+                </a:cubicBezTo>
+                <a:cubicBezTo>
+                  <a:pt x="971002" y="1027582"/>
+                  <a:pt x="754790" y="1073030"/>
+                  <a:pt x="584664" y="1054523"/>
+                </a:cubicBezTo>
+                <a:cubicBezTo>
+                  <a:pt x="414538" y="1036016"/>
+                  <a:pt x="151870" y="1066178"/>
+                  <a:pt x="0" y="1054523"/>
+                </a:cubicBezTo>
+                <a:cubicBezTo>
+                  <a:pt x="-5223" y="827928"/>
+                  <a:pt x="-12927" y="684565"/>
+                  <a:pt x="0" y="506171"/>
+                </a:cubicBezTo>
+                <a:cubicBezTo>
+                  <a:pt x="12927" y="327777"/>
+                  <a:pt x="5634" y="192994"/>
+                  <a:pt x="0" y="0"/>
+                </a:cubicBezTo>
+                <a:close/>
+              </a:path>
+              <a:path w="1193192" h="1054523" stroke="0" extrusionOk="0">
+                <a:moveTo>
+                  <a:pt x="0" y="0"/>
+                </a:moveTo>
+                <a:cubicBezTo>
+                  <a:pt x="217524" y="-4700"/>
+                  <a:pt x="348100" y="107"/>
+                  <a:pt x="584664" y="0"/>
+                </a:cubicBezTo>
+                <a:cubicBezTo>
+                  <a:pt x="821228" y="-107"/>
+                  <a:pt x="1022514" y="-26154"/>
+                  <a:pt x="1193192" y="0"/>
+                </a:cubicBezTo>
+                <a:cubicBezTo>
+                  <a:pt x="1184913" y="201126"/>
+                  <a:pt x="1205364" y="393522"/>
+                  <a:pt x="1193192" y="537807"/>
+                </a:cubicBezTo>
+                <a:cubicBezTo>
+                  <a:pt x="1181020" y="682092"/>
+                  <a:pt x="1182942" y="835223"/>
+                  <a:pt x="1193192" y="1054523"/>
+                </a:cubicBezTo>
+                <a:cubicBezTo>
+                  <a:pt x="968360" y="1025200"/>
+                  <a:pt x="713619" y="1027358"/>
+                  <a:pt x="572732" y="1054523"/>
+                </a:cubicBezTo>
+                <a:cubicBezTo>
+                  <a:pt x="431845" y="1081688"/>
+                  <a:pt x="210374" y="1064260"/>
+                  <a:pt x="0" y="1054523"/>
+                </a:cubicBezTo>
+                <a:cubicBezTo>
+                  <a:pt x="-5253" y="881101"/>
+                  <a:pt x="-22096" y="666617"/>
+                  <a:pt x="0" y="548352"/>
+                </a:cubicBezTo>
+                <a:cubicBezTo>
+                  <a:pt x="22096" y="430087"/>
+                  <a:pt x="-13624" y="176157"/>
+                  <a:pt x="0" y="0"/>
+                </a:cubicBezTo>
+                <a:close/>
+              </a:path>
+            </a:pathLst>
+          </a:custGeom>
+          <a:ln>
+            <a:extLst>
+              <a:ext uri="{C807C97D-BFC1-408E-A445-0C87EB9F89A2}">
+                <ask:lineSketchStyleProps xmlns:ask="http://schemas.microsoft.com/office/drawing/2018/sketchyshapes" sd="2492838024">
+                  <a:prstGeom prst="rect">
+                    <a:avLst/>
+                  </a:prstGeom>
+                  <ask:type>
+                    <ask:lineSketchFreehand/>
+                  </ask:type>
+                </ask:lineSketchStyleProps>
+              </a:ext>
+            </a:extLst>
+          </a:ln>
+        </p:spPr>
+        <p:style>
+          <a:lnRef idx="2">
+            <a:schemeClr val="dk1"/>
+          </a:lnRef>
+          <a:fillRef idx="1">
+            <a:schemeClr val="lt1"/>
+          </a:fillRef>
+          <a:effectRef idx="0">
+            <a:schemeClr val="dk1"/>
+          </a:effectRef>
+          <a:fontRef idx="minor">
+            <a:schemeClr val="dk1"/>
+          </a:fontRef>
+        </p:style>
+        <p:txBody>
+          <a:bodyPr rtlCol="0" anchor="ctr"/>
+          <a:lstStyle/>
+          <a:p>
+            <a:pPr algn="ctr"/>
+            <a:r>
+              <a:rPr lang="en-US" altLang="zh-CN" sz="1000" b="1"/>
+              <a:t>Process</a:t>
+            </a:r>
+          </a:p>
+          <a:p>
+            <a:pPr algn="ctr"/>
+            <a:r>
+              <a:rPr lang="en-US" altLang="zh-CN" sz="1000" b="1"/>
+              <a:t>Result</a:t>
+            </a:r>
+            <a:endParaRPr lang="zh-CN" altLang="en-US" sz="1000" b="1"/>
+          </a:p>
+        </p:txBody>
+      </p:sp>
+      <p:sp>
+        <p:nvSpPr>
+          <p:cNvPr id="56" name="矩形: 圆角 55">
+            <a:extLst>
+              <a:ext uri="{FF2B5EF4-FFF2-40B4-BE49-F238E27FC236}">
+                <a16:creationId xmlns:a16="http://schemas.microsoft.com/office/drawing/2014/main" id="{B1A81776-9794-4E98-A01B-C57DC08B4C56}"/>
+              </a:ext>
+            </a:extLst>
+          </p:cNvPr>
+          <p:cNvSpPr/>
+          <p:nvPr/>
+        </p:nvSpPr>
+        <p:spPr>
+          <a:xfrm>
+            <a:off x="2482065" y="5031653"/>
+            <a:ext cx="659626" cy="457422"/>
+          </a:xfrm>
+          <a:prstGeom prst="roundRect">
+            <a:avLst>
+              <a:gd name="adj" fmla="val 7343"/>
+            </a:avLst>
+          </a:prstGeom>
+        </p:spPr>
+        <p:style>
+          <a:lnRef idx="2">
+            <a:schemeClr val="accent3"/>
+          </a:lnRef>
+          <a:fillRef idx="1">
+            <a:schemeClr val="lt1"/>
+          </a:fillRef>
+          <a:effectRef idx="0">
+            <a:schemeClr val="accent3"/>
+          </a:effectRef>
+          <a:fontRef idx="minor">
+            <a:schemeClr val="dk1"/>
+          </a:fontRef>
+        </p:style>
+        <p:txBody>
+          <a:bodyPr rtlCol="0" anchor="ctr"/>
+          <a:lstStyle/>
+          <a:p>
+            <a:pPr algn="ctr"/>
+            <a:r>
+              <a:rPr lang="en-US" altLang="zh-CN" sz="1000" b="1" i="1">
+                <a:solidFill>
+                  <a:schemeClr val="tx1"/>
+                </a:solidFill>
+              </a:rPr>
+              <a:t>deploy</a:t>
+            </a:r>
+          </a:p>
+        </p:txBody>
+      </p:sp>
+      <p:sp>
+        <p:nvSpPr>
+          <p:cNvPr id="57" name="矩形: 圆角 56">
+            <a:extLst>
+              <a:ext uri="{FF2B5EF4-FFF2-40B4-BE49-F238E27FC236}">
+                <a16:creationId xmlns:a16="http://schemas.microsoft.com/office/drawing/2014/main" id="{5DB905DE-4982-4FFA-AC9F-1FAEF418A150}"/>
+              </a:ext>
+            </a:extLst>
+          </p:cNvPr>
+          <p:cNvSpPr/>
+          <p:nvPr/>
+        </p:nvSpPr>
+        <p:spPr>
+          <a:xfrm>
+            <a:off x="839480" y="5031653"/>
+            <a:ext cx="659626" cy="457422"/>
+          </a:xfrm>
+          <a:prstGeom prst="roundRect">
+            <a:avLst>
+              <a:gd name="adj" fmla="val 7343"/>
+            </a:avLst>
+          </a:prstGeom>
+        </p:spPr>
+        <p:style>
+          <a:lnRef idx="2">
+            <a:schemeClr val="accent3"/>
+          </a:lnRef>
+          <a:fillRef idx="1">
+            <a:schemeClr val="lt1"/>
+          </a:fillRef>
+          <a:effectRef idx="0">
+            <a:schemeClr val="accent3"/>
+          </a:effectRef>
+          <a:fontRef idx="minor">
+            <a:schemeClr val="dk1"/>
+          </a:fontRef>
+        </p:style>
+        <p:txBody>
+          <a:bodyPr rtlCol="0" anchor="ctr"/>
+          <a:lstStyle/>
+          <a:p>
+            <a:pPr algn="ctr"/>
+            <a:r>
+              <a:rPr lang="en-US" altLang="zh-CN" sz="1000" b="1" i="1">
+                <a:solidFill>
+                  <a:schemeClr val="tx1"/>
+                </a:solidFill>
+              </a:rPr>
+              <a:t>result</a:t>
+            </a:r>
+          </a:p>
+        </p:txBody>
+      </p:sp>
+      <p:sp>
+        <p:nvSpPr>
+          <p:cNvPr id="58" name="矩形 57">
+            <a:extLst>
+              <a:ext uri="{FF2B5EF4-FFF2-40B4-BE49-F238E27FC236}">
+                <a16:creationId xmlns:a16="http://schemas.microsoft.com/office/drawing/2014/main" id="{950A7D7D-ED7F-425B-B1F0-296349326322}"/>
+              </a:ext>
+            </a:extLst>
+          </p:cNvPr>
+          <p:cNvSpPr/>
+          <p:nvPr/>
+        </p:nvSpPr>
+        <p:spPr>
+          <a:xfrm>
+            <a:off x="837036" y="5620459"/>
+            <a:ext cx="2304655" cy="399688"/>
+          </a:xfrm>
+          <a:prstGeom prst="rect">
+            <a:avLst/>
+          </a:prstGeom>
+        </p:spPr>
+        <p:style>
+          <a:lnRef idx="2">
+            <a:schemeClr val="accent2"/>
+          </a:lnRef>
+          <a:fillRef idx="1">
+            <a:schemeClr val="lt1"/>
+          </a:fillRef>
+          <a:effectRef idx="0">
+            <a:schemeClr val="accent2"/>
+          </a:effectRef>
+          <a:fontRef idx="minor">
+            <a:schemeClr val="dk1"/>
+          </a:fontRef>
+        </p:style>
+        <p:txBody>
+          <a:bodyPr rtlCol="0" anchor="ctr"/>
+          <a:lstStyle/>
+          <a:p>
+            <a:pPr algn="ctr"/>
+            <a:r>
+              <a:rPr lang="en-US" altLang="zh-CN" sz="1000" b="1" i="1">
+                <a:solidFill>
+                  <a:schemeClr val="accent2"/>
+                </a:solidFill>
+              </a:rPr>
+              <a:t>TedyAdmin</a:t>
+            </a:r>
+            <a:endParaRPr lang="zh-CN" altLang="en-US" sz="1000" b="1" i="1">
+              <a:solidFill>
+                <a:schemeClr val="accent2"/>
+              </a:solidFill>
+            </a:endParaRPr>
+          </a:p>
+        </p:txBody>
+      </p:sp>
+      <p:sp>
+        <p:nvSpPr>
+          <p:cNvPr id="59" name="矩形 58">
+            <a:extLst>
+              <a:ext uri="{FF2B5EF4-FFF2-40B4-BE49-F238E27FC236}">
+                <a16:creationId xmlns:a16="http://schemas.microsoft.com/office/drawing/2014/main" id="{B2CDDF67-4DDA-4302-90C9-88C4ADA36C30}"/>
+              </a:ext>
+            </a:extLst>
+          </p:cNvPr>
+          <p:cNvSpPr/>
+          <p:nvPr/>
+        </p:nvSpPr>
+        <p:spPr>
+          <a:xfrm>
+            <a:off x="2535539" y="3649901"/>
+            <a:ext cx="644521" cy="342373"/>
+          </a:xfrm>
+          <a:prstGeom prst="rect">
+            <a:avLst/>
+          </a:prstGeom>
+          <a:ln>
+            <a:extLst>
+              <a:ext uri="{C807C97D-BFC1-408E-A445-0C87EB9F89A2}">
+                <ask:lineSketchStyleProps xmlns:ask="http://schemas.microsoft.com/office/drawing/2018/sketchyshapes" sd="2438312939">
+                  <a:custGeom>
+                    <a:avLst/>
+                    <a:gdLst>
+                      <a:gd name="connsiteX0" fmla="*/ 0 w 644521"/>
+                      <a:gd name="connsiteY0" fmla="*/ 0 h 342373"/>
+                      <a:gd name="connsiteX1" fmla="*/ 644521 w 644521"/>
+                      <a:gd name="connsiteY1" fmla="*/ 0 h 342373"/>
+                      <a:gd name="connsiteX2" fmla="*/ 644521 w 644521"/>
+                      <a:gd name="connsiteY2" fmla="*/ 342373 h 342373"/>
+                      <a:gd name="connsiteX3" fmla="*/ 0 w 644521"/>
+                      <a:gd name="connsiteY3" fmla="*/ 342373 h 342373"/>
+                      <a:gd name="connsiteX4" fmla="*/ 0 w 644521"/>
+                      <a:gd name="connsiteY4" fmla="*/ 0 h 342373"/>
+                    </a:gdLst>
+                    <a:ahLst/>
+                    <a:cxnLst>
+                      <a:cxn ang="0">
+                        <a:pos x="connsiteX0" y="connsiteY0"/>
+                      </a:cxn>
+                      <a:cxn ang="0">
+                        <a:pos x="connsiteX1" y="connsiteY1"/>
+                      </a:cxn>
+                      <a:cxn ang="0">
+                        <a:pos x="connsiteX2" y="connsiteY2"/>
+                      </a:cxn>
+                      <a:cxn ang="0">
+                        <a:pos x="connsiteX3" y="connsiteY3"/>
+                      </a:cxn>
+                      <a:cxn ang="0">
+                        <a:pos x="connsiteX4" y="connsiteY4"/>
+                      </a:cxn>
+                    </a:cxnLst>
+                    <a:rect l="l" t="t" r="r" b="b"/>
+                    <a:pathLst>
+                      <a:path w="644521" h="342373" fill="none" extrusionOk="0">
+                        <a:moveTo>
+                          <a:pt x="0" y="0"/>
+                        </a:moveTo>
+                        <a:cubicBezTo>
+                          <a:pt x="202078" y="57336"/>
+                          <a:pt x="392361" y="32684"/>
+                          <a:pt x="644521" y="0"/>
+                        </a:cubicBezTo>
+                        <a:cubicBezTo>
+                          <a:pt x="629849" y="133429"/>
+                          <a:pt x="668020" y="195016"/>
+                          <a:pt x="644521" y="342373"/>
+                        </a:cubicBezTo>
+                        <a:cubicBezTo>
+                          <a:pt x="383334" y="374679"/>
+                          <a:pt x="234751" y="317647"/>
+                          <a:pt x="0" y="342373"/>
+                        </a:cubicBezTo>
+                        <a:cubicBezTo>
+                          <a:pt x="-27430" y="296010"/>
+                          <a:pt x="-20413" y="66477"/>
+                          <a:pt x="0" y="0"/>
+                        </a:cubicBezTo>
+                        <a:close/>
+                      </a:path>
+                      <a:path w="644521" h="342373" stroke="0" extrusionOk="0">
+                        <a:moveTo>
+                          <a:pt x="0" y="0"/>
+                        </a:moveTo>
+                        <a:cubicBezTo>
+                          <a:pt x="202097" y="36421"/>
+                          <a:pt x="509953" y="-23478"/>
+                          <a:pt x="644521" y="0"/>
+                        </a:cubicBezTo>
+                        <a:cubicBezTo>
+                          <a:pt x="615552" y="146950"/>
+                          <a:pt x="631559" y="184721"/>
+                          <a:pt x="644521" y="342373"/>
+                        </a:cubicBezTo>
+                        <a:cubicBezTo>
+                          <a:pt x="523552" y="288930"/>
+                          <a:pt x="181899" y="394166"/>
+                          <a:pt x="0" y="342373"/>
+                        </a:cubicBezTo>
+                        <a:cubicBezTo>
+                          <a:pt x="-11701" y="292691"/>
+                          <a:pt x="28459" y="106515"/>
+                          <a:pt x="0" y="0"/>
+                        </a:cubicBezTo>
+                        <a:close/>
+                      </a:path>
+                    </a:pathLst>
+                  </a:custGeom>
+                  <ask:type>
+                    <ask:lineSketchNone/>
+                  </ask:type>
+                </ask:lineSketchStyleProps>
+              </a:ext>
+            </a:extLst>
+          </a:ln>
+        </p:spPr>
+        <p:style>
+          <a:lnRef idx="2">
+            <a:schemeClr val="accent5"/>
+          </a:lnRef>
+          <a:fillRef idx="1">
+            <a:schemeClr val="lt1"/>
+          </a:fillRef>
+          <a:effectRef idx="0">
+            <a:schemeClr val="accent5"/>
+          </a:effectRef>
+          <a:fontRef idx="minor">
+            <a:schemeClr val="dk1"/>
+          </a:fontRef>
+        </p:style>
+        <p:txBody>
+          <a:bodyPr rtlCol="0" anchor="ctr"/>
+          <a:lstStyle/>
+          <a:p>
+            <a:pPr algn="ctr"/>
+            <a:r>
+              <a:rPr lang="en-US" altLang="zh-CN" sz="1000"/>
+              <a:t>DATA</a:t>
+            </a:r>
+            <a:endParaRPr lang="zh-CN" altLang="en-US" sz="1000"/>
+          </a:p>
+        </p:txBody>
+      </p:sp>
+      <p:sp>
+        <p:nvSpPr>
+          <p:cNvPr id="60" name="矩形 59">
+            <a:extLst>
+              <a:ext uri="{FF2B5EF4-FFF2-40B4-BE49-F238E27FC236}">
+                <a16:creationId xmlns:a16="http://schemas.microsoft.com/office/drawing/2014/main" id="{BA0DA888-70C1-4C42-8BF7-BD6471DF707C}"/>
+              </a:ext>
+            </a:extLst>
+          </p:cNvPr>
+          <p:cNvSpPr/>
+          <p:nvPr/>
+        </p:nvSpPr>
+        <p:spPr>
+          <a:xfrm>
+            <a:off x="2535539" y="4062394"/>
+            <a:ext cx="644521" cy="342373"/>
+          </a:xfrm>
+          <a:prstGeom prst="rect">
+            <a:avLst/>
+          </a:prstGeom>
+          <a:ln>
+            <a:extLst>
+              <a:ext uri="{C807C97D-BFC1-408E-A445-0C87EB9F89A2}">
+                <ask:lineSketchStyleProps xmlns:ask="http://schemas.microsoft.com/office/drawing/2018/sketchyshapes" sd="3839373904">
+                  <a:custGeom>
+                    <a:avLst/>
+                    <a:gdLst>
+                      <a:gd name="connsiteX0" fmla="*/ 0 w 644521"/>
+                      <a:gd name="connsiteY0" fmla="*/ 0 h 342373"/>
+                      <a:gd name="connsiteX1" fmla="*/ 644521 w 644521"/>
+                      <a:gd name="connsiteY1" fmla="*/ 0 h 342373"/>
+                      <a:gd name="connsiteX2" fmla="*/ 644521 w 644521"/>
+                      <a:gd name="connsiteY2" fmla="*/ 342373 h 342373"/>
+                      <a:gd name="connsiteX3" fmla="*/ 0 w 644521"/>
+                      <a:gd name="connsiteY3" fmla="*/ 342373 h 342373"/>
+                      <a:gd name="connsiteX4" fmla="*/ 0 w 644521"/>
+                      <a:gd name="connsiteY4" fmla="*/ 0 h 342373"/>
+                    </a:gdLst>
+                    <a:ahLst/>
+                    <a:cxnLst>
+                      <a:cxn ang="0">
+                        <a:pos x="connsiteX0" y="connsiteY0"/>
+                      </a:cxn>
+                      <a:cxn ang="0">
+                        <a:pos x="connsiteX1" y="connsiteY1"/>
+                      </a:cxn>
+                      <a:cxn ang="0">
+                        <a:pos x="connsiteX2" y="connsiteY2"/>
+                      </a:cxn>
+                      <a:cxn ang="0">
+                        <a:pos x="connsiteX3" y="connsiteY3"/>
+                      </a:cxn>
+                      <a:cxn ang="0">
+                        <a:pos x="connsiteX4" y="connsiteY4"/>
+                      </a:cxn>
+                    </a:cxnLst>
+                    <a:rect l="l" t="t" r="r" b="b"/>
+                    <a:pathLst>
+                      <a:path w="644521" h="342373" fill="none" extrusionOk="0">
+                        <a:moveTo>
+                          <a:pt x="0" y="0"/>
+                        </a:moveTo>
+                        <a:cubicBezTo>
+                          <a:pt x="274979" y="-41748"/>
+                          <a:pt x="401647" y="-6944"/>
+                          <a:pt x="644521" y="0"/>
+                        </a:cubicBezTo>
+                        <a:cubicBezTo>
+                          <a:pt x="632262" y="125275"/>
+                          <a:pt x="616749" y="235954"/>
+                          <a:pt x="644521" y="342373"/>
+                        </a:cubicBezTo>
+                        <a:cubicBezTo>
+                          <a:pt x="502324" y="293239"/>
+                          <a:pt x="173021" y="373013"/>
+                          <a:pt x="0" y="342373"/>
+                        </a:cubicBezTo>
+                        <a:cubicBezTo>
+                          <a:pt x="-24713" y="247001"/>
+                          <a:pt x="-30277" y="36648"/>
+                          <a:pt x="0" y="0"/>
+                        </a:cubicBezTo>
+                        <a:close/>
+                      </a:path>
+                      <a:path w="644521" h="342373" stroke="0" extrusionOk="0">
+                        <a:moveTo>
+                          <a:pt x="0" y="0"/>
+                        </a:moveTo>
+                        <a:cubicBezTo>
+                          <a:pt x="267308" y="37357"/>
+                          <a:pt x="532088" y="-1559"/>
+                          <a:pt x="644521" y="0"/>
+                        </a:cubicBezTo>
+                        <a:cubicBezTo>
+                          <a:pt x="663060" y="120498"/>
+                          <a:pt x="669059" y="280927"/>
+                          <a:pt x="644521" y="342373"/>
+                        </a:cubicBezTo>
+                        <a:cubicBezTo>
+                          <a:pt x="371920" y="287197"/>
+                          <a:pt x="297004" y="300176"/>
+                          <a:pt x="0" y="342373"/>
+                        </a:cubicBezTo>
+                        <a:cubicBezTo>
+                          <a:pt x="-24794" y="262057"/>
+                          <a:pt x="-29198" y="81806"/>
+                          <a:pt x="0" y="0"/>
+                        </a:cubicBezTo>
+                        <a:close/>
+                      </a:path>
+                    </a:pathLst>
+                  </a:custGeom>
+                  <ask:type>
+                    <ask:lineSketchNone/>
+                  </ask:type>
+                </ask:lineSketchStyleProps>
+              </a:ext>
+            </a:extLst>
+          </a:ln>
+        </p:spPr>
+        <p:style>
+          <a:lnRef idx="2">
+            <a:schemeClr val="accent5"/>
+          </a:lnRef>
+          <a:fillRef idx="1">
+            <a:schemeClr val="lt1"/>
+          </a:fillRef>
+          <a:effectRef idx="0">
+            <a:schemeClr val="accent5"/>
+          </a:effectRef>
+          <a:fontRef idx="minor">
+            <a:schemeClr val="dk1"/>
+          </a:fontRef>
+        </p:style>
+        <p:txBody>
+          <a:bodyPr rtlCol="0" anchor="ctr"/>
+          <a:lstStyle/>
+          <a:p>
+            <a:pPr algn="ctr"/>
+            <a:r>
+              <a:rPr lang="en-US" altLang="zh-CN" sz="1000"/>
+              <a:t>DATA</a:t>
+            </a:r>
+            <a:endParaRPr lang="zh-CN" altLang="en-US" sz="1000"/>
+          </a:p>
+        </p:txBody>
+      </p:sp>
+      <p:sp>
+        <p:nvSpPr>
+          <p:cNvPr id="61" name="矩形 60">
+            <a:extLst>
+              <a:ext uri="{FF2B5EF4-FFF2-40B4-BE49-F238E27FC236}">
+                <a16:creationId xmlns:a16="http://schemas.microsoft.com/office/drawing/2014/main" id="{3CDA07DF-9ED4-459F-A3F5-18A1CF70892D}"/>
+              </a:ext>
+            </a:extLst>
+          </p:cNvPr>
+          <p:cNvSpPr/>
+          <p:nvPr/>
+        </p:nvSpPr>
+        <p:spPr>
+          <a:xfrm>
+            <a:off x="2527181" y="4465874"/>
+            <a:ext cx="644521" cy="342373"/>
+          </a:xfrm>
+          <a:prstGeom prst="rect">
+            <a:avLst/>
+          </a:prstGeom>
+          <a:ln>
+            <a:extLst>
+              <a:ext uri="{C807C97D-BFC1-408E-A445-0C87EB9F89A2}">
+                <ask:lineSketchStyleProps xmlns:ask="http://schemas.microsoft.com/office/drawing/2018/sketchyshapes" sd="2325931445">
+                  <a:custGeom>
+                    <a:avLst/>
+                    <a:gdLst>
+                      <a:gd name="connsiteX0" fmla="*/ 0 w 644521"/>
+                      <a:gd name="connsiteY0" fmla="*/ 0 h 342373"/>
+                      <a:gd name="connsiteX1" fmla="*/ 644521 w 644521"/>
+                      <a:gd name="connsiteY1" fmla="*/ 0 h 342373"/>
+                      <a:gd name="connsiteX2" fmla="*/ 644521 w 644521"/>
+                      <a:gd name="connsiteY2" fmla="*/ 342373 h 342373"/>
+                      <a:gd name="connsiteX3" fmla="*/ 0 w 644521"/>
+                      <a:gd name="connsiteY3" fmla="*/ 342373 h 342373"/>
+                      <a:gd name="connsiteX4" fmla="*/ 0 w 644521"/>
+                      <a:gd name="connsiteY4" fmla="*/ 0 h 342373"/>
+                    </a:gdLst>
+                    <a:ahLst/>
+                    <a:cxnLst>
+                      <a:cxn ang="0">
+                        <a:pos x="connsiteX0" y="connsiteY0"/>
+                      </a:cxn>
+                      <a:cxn ang="0">
+                        <a:pos x="connsiteX1" y="connsiteY1"/>
+                      </a:cxn>
+                      <a:cxn ang="0">
+                        <a:pos x="connsiteX2" y="connsiteY2"/>
+                      </a:cxn>
+                      <a:cxn ang="0">
+                        <a:pos x="connsiteX3" y="connsiteY3"/>
+                      </a:cxn>
+                      <a:cxn ang="0">
+                        <a:pos x="connsiteX4" y="connsiteY4"/>
+                      </a:cxn>
+                    </a:cxnLst>
+                    <a:rect l="l" t="t" r="r" b="b"/>
+                    <a:pathLst>
+                      <a:path w="644521" h="342373" fill="none" extrusionOk="0">
+                        <a:moveTo>
+                          <a:pt x="0" y="0"/>
+                        </a:moveTo>
+                        <a:cubicBezTo>
+                          <a:pt x="244496" y="37093"/>
+                          <a:pt x="432989" y="34535"/>
+                          <a:pt x="644521" y="0"/>
+                        </a:cubicBezTo>
+                        <a:cubicBezTo>
+                          <a:pt x="633313" y="75274"/>
+                          <a:pt x="673202" y="237343"/>
+                          <a:pt x="644521" y="342373"/>
+                        </a:cubicBezTo>
+                        <a:cubicBezTo>
+                          <a:pt x="433729" y="396289"/>
+                          <a:pt x="273993" y="316311"/>
+                          <a:pt x="0" y="342373"/>
+                        </a:cubicBezTo>
+                        <a:cubicBezTo>
+                          <a:pt x="-975" y="194685"/>
+                          <a:pt x="-26358" y="50920"/>
+                          <a:pt x="0" y="0"/>
+                        </a:cubicBezTo>
+                        <a:close/>
+                      </a:path>
+                      <a:path w="644521" h="342373" stroke="0" extrusionOk="0">
+                        <a:moveTo>
+                          <a:pt x="0" y="0"/>
+                        </a:moveTo>
+                        <a:cubicBezTo>
+                          <a:pt x="112531" y="-5271"/>
+                          <a:pt x="524113" y="45634"/>
+                          <a:pt x="644521" y="0"/>
+                        </a:cubicBezTo>
+                        <a:cubicBezTo>
+                          <a:pt x="664530" y="95984"/>
+                          <a:pt x="647640" y="213153"/>
+                          <a:pt x="644521" y="342373"/>
+                        </a:cubicBezTo>
+                        <a:cubicBezTo>
+                          <a:pt x="459442" y="306267"/>
+                          <a:pt x="237636" y="331021"/>
+                          <a:pt x="0" y="342373"/>
+                        </a:cubicBezTo>
+                        <a:cubicBezTo>
+                          <a:pt x="11993" y="243111"/>
+                          <a:pt x="-722" y="43976"/>
+                          <a:pt x="0" y="0"/>
+                        </a:cubicBezTo>
+                        <a:close/>
+                      </a:path>
+                    </a:pathLst>
+                  </a:custGeom>
+                  <ask:type>
+                    <ask:lineSketchNone/>
+                  </ask:type>
+                </ask:lineSketchStyleProps>
+              </a:ext>
+            </a:extLst>
+          </a:ln>
+        </p:spPr>
+        <p:style>
+          <a:lnRef idx="2">
+            <a:schemeClr val="accent5"/>
+          </a:lnRef>
+          <a:fillRef idx="1">
+            <a:schemeClr val="lt1"/>
+          </a:fillRef>
+          <a:effectRef idx="0">
+            <a:schemeClr val="accent5"/>
+          </a:effectRef>
+          <a:fontRef idx="minor">
+            <a:schemeClr val="dk1"/>
+          </a:fontRef>
+        </p:style>
+        <p:txBody>
+          <a:bodyPr rtlCol="0" anchor="ctr"/>
+          <a:lstStyle/>
+          <a:p>
+            <a:pPr algn="ctr"/>
+            <a:r>
+              <a:rPr lang="en-US" altLang="zh-CN" sz="1000"/>
+              <a:t>DATA</a:t>
+            </a:r>
+            <a:endParaRPr lang="zh-CN" altLang="en-US" sz="1000"/>
+          </a:p>
+        </p:txBody>
+      </p:sp>
+      <p:sp>
+        <p:nvSpPr>
+          <p:cNvPr id="62" name="矩形: 圆角 61">
+            <a:extLst>
+              <a:ext uri="{FF2B5EF4-FFF2-40B4-BE49-F238E27FC236}">
+                <a16:creationId xmlns:a16="http://schemas.microsoft.com/office/drawing/2014/main" id="{0391B5A1-219B-4458-A996-7169AE0893C7}"/>
+              </a:ext>
+            </a:extLst>
+          </p:cNvPr>
+          <p:cNvSpPr/>
+          <p:nvPr/>
+        </p:nvSpPr>
+        <p:spPr>
+          <a:xfrm rot="16200000">
+            <a:off x="4050814" y="3902618"/>
+            <a:ext cx="835195" cy="441657"/>
+          </a:xfrm>
+          <a:prstGeom prst="roundRect">
+            <a:avLst>
+              <a:gd name="adj" fmla="val 7343"/>
+            </a:avLst>
+          </a:prstGeom>
+        </p:spPr>
+        <p:style>
+          <a:lnRef idx="2">
+            <a:schemeClr val="dk1"/>
+          </a:lnRef>
+          <a:fillRef idx="1">
+            <a:schemeClr val="lt1"/>
+          </a:fillRef>
+          <a:effectRef idx="0">
+            <a:schemeClr val="dk1"/>
+          </a:effectRef>
+          <a:fontRef idx="minor">
+            <a:schemeClr val="dk1"/>
+          </a:fontRef>
+        </p:style>
+        <p:txBody>
+          <a:bodyPr rtlCol="0" anchor="ctr"/>
+          <a:lstStyle/>
+          <a:p>
+            <a:pPr algn="ctr"/>
+            <a:r>
+              <a:rPr lang="en-US" altLang="zh-CN" sz="1000" b="1">
+                <a:solidFill>
+                  <a:schemeClr val="tx1"/>
+                </a:solidFill>
+              </a:rPr>
+              <a:t> Rpc-Server </a:t>
+            </a:r>
+            <a:endParaRPr lang="zh-CN" altLang="en-US" sz="1000" b="1">
+              <a:solidFill>
+                <a:schemeClr val="tx1"/>
+              </a:solidFill>
+            </a:endParaRPr>
+          </a:p>
+        </p:txBody>
+      </p:sp>
+      <p:sp>
+        <p:nvSpPr>
+          <p:cNvPr id="63" name="矩形: 圆角 62">
+            <a:extLst>
+              <a:ext uri="{FF2B5EF4-FFF2-40B4-BE49-F238E27FC236}">
+                <a16:creationId xmlns:a16="http://schemas.microsoft.com/office/drawing/2014/main" id="{8217EB18-1666-4186-BD86-1F64B88A71B2}"/>
+              </a:ext>
+            </a:extLst>
+          </p:cNvPr>
+          <p:cNvSpPr/>
+          <p:nvPr/>
+        </p:nvSpPr>
+        <p:spPr>
+          <a:xfrm>
+            <a:off x="4833054" y="4164675"/>
+            <a:ext cx="830470" cy="335735"/>
+          </a:xfrm>
+          <a:prstGeom prst="roundRect">
+            <a:avLst>
+              <a:gd name="adj" fmla="val 7343"/>
+            </a:avLst>
+          </a:prstGeom>
+        </p:spPr>
+        <p:style>
+          <a:lnRef idx="2">
+            <a:schemeClr val="dk1"/>
+          </a:lnRef>
+          <a:fillRef idx="1">
+            <a:schemeClr val="lt1"/>
+          </a:fillRef>
+          <a:effectRef idx="0">
+            <a:schemeClr val="dk1"/>
+          </a:effectRef>
+          <a:fontRef idx="minor">
+            <a:schemeClr val="dk1"/>
+          </a:fontRef>
+        </p:style>
+        <p:txBody>
+          <a:bodyPr rtlCol="0" anchor="ctr"/>
+          <a:lstStyle/>
+          <a:p>
+            <a:pPr algn="ctr"/>
+            <a:r>
+              <a:rPr lang="en-US" altLang="zh-CN" sz="1000" i="1">
+                <a:solidFill>
+                  <a:schemeClr val="tx1"/>
+                </a:solidFill>
+              </a:rPr>
+              <a:t> Worker </a:t>
+            </a:r>
+            <a:endParaRPr lang="zh-CN" altLang="en-US" sz="1000" i="1">
+              <a:solidFill>
+                <a:schemeClr val="tx1"/>
+              </a:solidFill>
+            </a:endParaRPr>
+          </a:p>
+        </p:txBody>
+      </p:sp>
+      <p:sp>
+        <p:nvSpPr>
+          <p:cNvPr id="64" name="矩形 63">
+            <a:extLst>
+              <a:ext uri="{FF2B5EF4-FFF2-40B4-BE49-F238E27FC236}">
+                <a16:creationId xmlns:a16="http://schemas.microsoft.com/office/drawing/2014/main" id="{05103149-3A59-4285-B09F-7DBA1CF7225B}"/>
+              </a:ext>
+            </a:extLst>
+          </p:cNvPr>
+          <p:cNvSpPr/>
+          <p:nvPr/>
+        </p:nvSpPr>
+        <p:spPr>
+          <a:xfrm>
+            <a:off x="4139180" y="4743915"/>
+            <a:ext cx="1649685" cy="1289040"/>
+          </a:xfrm>
+          <a:prstGeom prst="rect">
+            <a:avLst/>
+          </a:prstGeom>
+          <a:effectLst>
+            <a:outerShdw blurRad="50800" dist="38100" dir="2700000" algn="tl" rotWithShape="0">
+              <a:prstClr val="black">
+                <a:alpha val="40000"/>
+              </a:prstClr>
+            </a:outerShdw>
+          </a:effectLst>
+        </p:spPr>
+        <p:style>
+          <a:lnRef idx="2">
+            <a:schemeClr val="dk1"/>
+          </a:lnRef>
+          <a:fillRef idx="1">
+            <a:schemeClr val="lt1"/>
+          </a:fillRef>
+          <a:effectRef idx="0">
+            <a:schemeClr val="dk1"/>
+          </a:effectRef>
+          <a:fontRef idx="minor">
+            <a:schemeClr val="dk1"/>
+          </a:fontRef>
+        </p:style>
+        <p:txBody>
+          <a:bodyPr rtlCol="0" anchor="t"/>
+          <a:lstStyle/>
+          <a:p>
+            <a:pPr algn="ctr"/>
+            <a:r>
+              <a:rPr lang="en-US" altLang="zh-CN" sz="1000" b="1"/>
+              <a:t>NODE</a:t>
+            </a:r>
+            <a:endParaRPr lang="zh-CN" altLang="en-US" sz="1000" b="1"/>
+          </a:p>
+        </p:txBody>
+      </p:sp>
+      <p:sp>
+        <p:nvSpPr>
+          <p:cNvPr id="65" name="矩形: 圆角 64">
+            <a:extLst>
+              <a:ext uri="{FF2B5EF4-FFF2-40B4-BE49-F238E27FC236}">
+                <a16:creationId xmlns:a16="http://schemas.microsoft.com/office/drawing/2014/main" id="{F32FE74B-E115-4119-B75B-FA1DA0244BBB}"/>
+              </a:ext>
+            </a:extLst>
+          </p:cNvPr>
+          <p:cNvSpPr/>
+          <p:nvPr/>
+        </p:nvSpPr>
+        <p:spPr>
+          <a:xfrm>
+            <a:off x="4829820" y="5159898"/>
+            <a:ext cx="830470" cy="335735"/>
+          </a:xfrm>
+          <a:prstGeom prst="roundRect">
+            <a:avLst>
+              <a:gd name="adj" fmla="val 7343"/>
+            </a:avLst>
+          </a:prstGeom>
+        </p:spPr>
+        <p:style>
+          <a:lnRef idx="2">
+            <a:schemeClr val="dk1"/>
+          </a:lnRef>
+          <a:fillRef idx="1">
+            <a:schemeClr val="lt1"/>
+          </a:fillRef>
+          <a:effectRef idx="0">
+            <a:schemeClr val="dk1"/>
+          </a:effectRef>
+          <a:fontRef idx="minor">
+            <a:schemeClr val="dk1"/>
+          </a:fontRef>
+        </p:style>
+        <p:txBody>
+          <a:bodyPr rtlCol="0" anchor="ctr"/>
+          <a:lstStyle/>
+          <a:p>
+            <a:pPr algn="ctr"/>
+            <a:r>
+              <a:rPr lang="en-US" altLang="zh-CN" sz="1000" i="1">
+                <a:solidFill>
+                  <a:schemeClr val="tx1"/>
+                </a:solidFill>
+              </a:rPr>
+              <a:t> Worker </a:t>
+            </a:r>
+            <a:endParaRPr lang="zh-CN" altLang="en-US" sz="1000" i="1">
+              <a:solidFill>
+                <a:schemeClr val="tx1"/>
+              </a:solidFill>
+            </a:endParaRPr>
+          </a:p>
+        </p:txBody>
+      </p:sp>
+      <p:sp>
+        <p:nvSpPr>
+          <p:cNvPr id="66" name="矩形: 圆角 65">
+            <a:extLst>
+              <a:ext uri="{FF2B5EF4-FFF2-40B4-BE49-F238E27FC236}">
+                <a16:creationId xmlns:a16="http://schemas.microsoft.com/office/drawing/2014/main" id="{72490316-D15F-4838-B958-94AC75689231}"/>
+              </a:ext>
+            </a:extLst>
+          </p:cNvPr>
+          <p:cNvSpPr/>
+          <p:nvPr/>
+        </p:nvSpPr>
+        <p:spPr>
+          <a:xfrm rot="16200000">
+            <a:off x="4047580" y="5329865"/>
+            <a:ext cx="835195" cy="441657"/>
+          </a:xfrm>
+          <a:prstGeom prst="roundRect">
+            <a:avLst>
+              <a:gd name="adj" fmla="val 7343"/>
+            </a:avLst>
+          </a:prstGeom>
+        </p:spPr>
+        <p:style>
+          <a:lnRef idx="2">
+            <a:schemeClr val="dk1"/>
+          </a:lnRef>
+          <a:fillRef idx="1">
+            <a:schemeClr val="lt1"/>
+          </a:fillRef>
+          <a:effectRef idx="0">
+            <a:schemeClr val="dk1"/>
+          </a:effectRef>
+          <a:fontRef idx="minor">
+            <a:schemeClr val="dk1"/>
+          </a:fontRef>
+        </p:style>
+        <p:txBody>
+          <a:bodyPr rtlCol="0" anchor="ctr"/>
+          <a:lstStyle/>
+          <a:p>
+            <a:pPr algn="ctr"/>
+            <a:r>
+              <a:rPr lang="en-US" altLang="zh-CN" sz="1000" b="1">
+                <a:solidFill>
+                  <a:schemeClr val="tx1"/>
+                </a:solidFill>
+              </a:rPr>
+              <a:t> Rpc-Server </a:t>
+            </a:r>
+            <a:endParaRPr lang="zh-CN" altLang="en-US" sz="1000" b="1">
+              <a:solidFill>
+                <a:schemeClr val="tx1"/>
+              </a:solidFill>
+            </a:endParaRPr>
+          </a:p>
+        </p:txBody>
+      </p:sp>
+      <p:sp>
+        <p:nvSpPr>
+          <p:cNvPr id="67" name="矩形: 圆角 66">
+            <a:extLst>
+              <a:ext uri="{FF2B5EF4-FFF2-40B4-BE49-F238E27FC236}">
+                <a16:creationId xmlns:a16="http://schemas.microsoft.com/office/drawing/2014/main" id="{404B9775-FBCE-44B2-9501-A55EF8452670}"/>
+              </a:ext>
+            </a:extLst>
+          </p:cNvPr>
+          <p:cNvSpPr/>
+          <p:nvPr/>
+        </p:nvSpPr>
+        <p:spPr>
+          <a:xfrm>
+            <a:off x="4829820" y="5591922"/>
+            <a:ext cx="830470" cy="335735"/>
+          </a:xfrm>
+          <a:prstGeom prst="roundRect">
+            <a:avLst>
+              <a:gd name="adj" fmla="val 7343"/>
+            </a:avLst>
+          </a:prstGeom>
+        </p:spPr>
+        <p:style>
+          <a:lnRef idx="2">
+            <a:schemeClr val="dk1"/>
+          </a:lnRef>
+          <a:fillRef idx="1">
+            <a:schemeClr val="lt1"/>
+          </a:fillRef>
+          <a:effectRef idx="0">
+            <a:schemeClr val="dk1"/>
+          </a:effectRef>
+          <a:fontRef idx="minor">
+            <a:schemeClr val="dk1"/>
+          </a:fontRef>
+        </p:style>
+        <p:txBody>
+          <a:bodyPr rtlCol="0" anchor="ctr"/>
+          <a:lstStyle/>
+          <a:p>
+            <a:pPr algn="ctr"/>
+            <a:r>
+              <a:rPr lang="en-US" altLang="zh-CN" sz="1000" i="1">
+                <a:solidFill>
+                  <a:schemeClr val="tx1"/>
+                </a:solidFill>
+              </a:rPr>
+              <a:t> Worker </a:t>
+            </a:r>
+            <a:endParaRPr lang="zh-CN" altLang="en-US" sz="1000" i="1">
+              <a:solidFill>
+                <a:schemeClr val="tx1"/>
+              </a:solidFill>
+            </a:endParaRPr>
+          </a:p>
+        </p:txBody>
+      </p:sp>
+      <p:cxnSp>
+        <p:nvCxnSpPr>
+          <p:cNvPr id="68" name="直接箭头连接符 51">
+            <a:extLst>
+              <a:ext uri="{FF2B5EF4-FFF2-40B4-BE49-F238E27FC236}">
+                <a16:creationId xmlns:a16="http://schemas.microsoft.com/office/drawing/2014/main" id="{A80CC4C0-82E7-472B-B63C-36754BB25431}"/>
+              </a:ext>
+            </a:extLst>
+          </p:cNvPr>
+          <p:cNvCxnSpPr>
+            <a:cxnSpLocks/>
+            <a:stCxn id="59" idx="3"/>
+            <a:endCxn id="49" idx="0"/>
+          </p:cNvCxnSpPr>
+          <p:nvPr/>
+        </p:nvCxnSpPr>
+        <p:spPr>
+          <a:xfrm flipV="1">
+            <a:off x="3180060" y="3732651"/>
+            <a:ext cx="2068229" cy="88437"/>
+          </a:xfrm>
+          <a:prstGeom prst="bentConnector4">
+            <a:avLst>
+              <a:gd name="adj1" fmla="val 39962"/>
+              <a:gd name="adj2" fmla="val 736397"/>
+            </a:avLst>
+          </a:prstGeom>
+          <a:ln>
+            <a:tailEnd type="triangle"/>
+          </a:ln>
+        </p:spPr>
+        <p:style>
+          <a:lnRef idx="1">
+            <a:schemeClr val="accent4"/>
+          </a:lnRef>
+          <a:fillRef idx="0">
+            <a:schemeClr val="accent4"/>
+          </a:fillRef>
+          <a:effectRef idx="0">
+            <a:schemeClr val="accent4"/>
+          </a:effectRef>
+          <a:fontRef idx="minor">
+            <a:schemeClr val="tx1"/>
+          </a:fontRef>
+        </p:style>
+      </p:cxnSp>
+      <p:cxnSp>
+        <p:nvCxnSpPr>
+          <p:cNvPr id="69" name="直接箭头连接符 51">
+            <a:extLst>
+              <a:ext uri="{FF2B5EF4-FFF2-40B4-BE49-F238E27FC236}">
+                <a16:creationId xmlns:a16="http://schemas.microsoft.com/office/drawing/2014/main" id="{DD3A9380-1F9D-44D0-8F99-B95D602F49E3}"/>
+              </a:ext>
+            </a:extLst>
+          </p:cNvPr>
+          <p:cNvCxnSpPr>
+            <a:cxnSpLocks/>
+            <a:endCxn id="63" idx="2"/>
+          </p:cNvCxnSpPr>
+          <p:nvPr/>
+        </p:nvCxnSpPr>
+        <p:spPr>
+          <a:xfrm>
+            <a:off x="3180060" y="4261234"/>
+            <a:ext cx="2068229" cy="239176"/>
+          </a:xfrm>
+          <a:prstGeom prst="bentConnector4">
+            <a:avLst>
+              <a:gd name="adj1" fmla="val 39962"/>
+              <a:gd name="adj2" fmla="val 173277"/>
+            </a:avLst>
+          </a:prstGeom>
+          <a:ln>
+            <a:tailEnd type="triangle"/>
+          </a:ln>
+        </p:spPr>
+        <p:style>
+          <a:lnRef idx="1">
+            <a:schemeClr val="accent4"/>
+          </a:lnRef>
+          <a:fillRef idx="0">
+            <a:schemeClr val="accent4"/>
+          </a:fillRef>
+          <a:effectRef idx="0">
+            <a:schemeClr val="accent4"/>
+          </a:effectRef>
+          <a:fontRef idx="minor">
+            <a:schemeClr val="tx1"/>
+          </a:fontRef>
+        </p:style>
+      </p:cxnSp>
+      <p:cxnSp>
+        <p:nvCxnSpPr>
+          <p:cNvPr id="70" name="直接箭头连接符 51">
+            <a:extLst>
+              <a:ext uri="{FF2B5EF4-FFF2-40B4-BE49-F238E27FC236}">
+                <a16:creationId xmlns:a16="http://schemas.microsoft.com/office/drawing/2014/main" id="{6146612B-8294-4ACE-B259-0C00FD1266EF}"/>
+              </a:ext>
+            </a:extLst>
+          </p:cNvPr>
+          <p:cNvCxnSpPr>
+            <a:cxnSpLocks/>
+            <a:stCxn id="61" idx="3"/>
+            <a:endCxn id="67" idx="2"/>
+          </p:cNvCxnSpPr>
+          <p:nvPr/>
+        </p:nvCxnSpPr>
+        <p:spPr>
+          <a:xfrm>
+            <a:off x="3171702" y="4637061"/>
+            <a:ext cx="2073353" cy="1290596"/>
+          </a:xfrm>
+          <a:prstGeom prst="bentConnector4">
+            <a:avLst>
+              <a:gd name="adj1" fmla="val 31166"/>
+              <a:gd name="adj2" fmla="val 117713"/>
+            </a:avLst>
+          </a:prstGeom>
+          <a:ln>
+            <a:tailEnd type="triangle"/>
+          </a:ln>
+        </p:spPr>
+        <p:style>
+          <a:lnRef idx="1">
+            <a:schemeClr val="accent4"/>
+          </a:lnRef>
+          <a:fillRef idx="0">
+            <a:schemeClr val="accent4"/>
+          </a:fillRef>
+          <a:effectRef idx="0">
+            <a:schemeClr val="accent4"/>
+          </a:effectRef>
+          <a:fontRef idx="minor">
+            <a:schemeClr val="tx1"/>
+          </a:fontRef>
+        </p:style>
+      </p:cxnSp>
+      <p:cxnSp>
+        <p:nvCxnSpPr>
+          <p:cNvPr id="71" name="直接箭头连接符 51">
+            <a:extLst>
+              <a:ext uri="{FF2B5EF4-FFF2-40B4-BE49-F238E27FC236}">
+                <a16:creationId xmlns:a16="http://schemas.microsoft.com/office/drawing/2014/main" id="{91B520E1-DBE2-4873-A59F-04DCC06275F1}"/>
+              </a:ext>
+            </a:extLst>
+          </p:cNvPr>
+          <p:cNvCxnSpPr>
+            <a:cxnSpLocks/>
+            <a:stCxn id="49" idx="3"/>
+          </p:cNvCxnSpPr>
+          <p:nvPr/>
+        </p:nvCxnSpPr>
+        <p:spPr>
+          <a:xfrm>
+            <a:off x="5663524" y="3900519"/>
+            <a:ext cx="1628415" cy="745751"/>
+          </a:xfrm>
+          <a:prstGeom prst="bentConnector3">
+            <a:avLst>
+              <a:gd name="adj1" fmla="val 50000"/>
+            </a:avLst>
+          </a:prstGeom>
+          <a:ln>
+            <a:tailEnd type="triangle"/>
+          </a:ln>
+        </p:spPr>
+        <p:style>
+          <a:lnRef idx="1">
+            <a:schemeClr val="accent4"/>
+          </a:lnRef>
+          <a:fillRef idx="0">
+            <a:schemeClr val="accent4"/>
+          </a:fillRef>
+          <a:effectRef idx="0">
+            <a:schemeClr val="accent4"/>
+          </a:effectRef>
+          <a:fontRef idx="minor">
+            <a:schemeClr val="tx1"/>
+          </a:fontRef>
+        </p:style>
+      </p:cxnSp>
+      <p:cxnSp>
+        <p:nvCxnSpPr>
+          <p:cNvPr id="72" name="直接箭头连接符 51">
+            <a:extLst>
+              <a:ext uri="{FF2B5EF4-FFF2-40B4-BE49-F238E27FC236}">
+                <a16:creationId xmlns:a16="http://schemas.microsoft.com/office/drawing/2014/main" id="{D825A211-2E48-4347-824F-9B146D39F9EF}"/>
+              </a:ext>
+            </a:extLst>
+          </p:cNvPr>
+          <p:cNvCxnSpPr>
+            <a:cxnSpLocks/>
+          </p:cNvCxnSpPr>
+          <p:nvPr/>
+        </p:nvCxnSpPr>
+        <p:spPr>
+          <a:xfrm>
+            <a:off x="5720681" y="4322217"/>
+            <a:ext cx="1723658" cy="476453"/>
+          </a:xfrm>
+          <a:prstGeom prst="bentConnector3">
+            <a:avLst>
+              <a:gd name="adj1" fmla="val 50000"/>
+            </a:avLst>
+          </a:prstGeom>
+          <a:ln>
+            <a:tailEnd type="triangle"/>
+          </a:ln>
+        </p:spPr>
+        <p:style>
+          <a:lnRef idx="1">
+            <a:schemeClr val="accent4"/>
+          </a:lnRef>
+          <a:fillRef idx="0">
+            <a:schemeClr val="accent4"/>
+          </a:fillRef>
+          <a:effectRef idx="0">
+            <a:schemeClr val="accent4"/>
+          </a:effectRef>
+          <a:fontRef idx="minor">
+            <a:schemeClr val="tx1"/>
+          </a:fontRef>
+        </p:style>
+      </p:cxnSp>
+      <p:cxnSp>
+        <p:nvCxnSpPr>
+          <p:cNvPr id="73" name="直接箭头连接符 51">
+            <a:extLst>
+              <a:ext uri="{FF2B5EF4-FFF2-40B4-BE49-F238E27FC236}">
+                <a16:creationId xmlns:a16="http://schemas.microsoft.com/office/drawing/2014/main" id="{C809805E-B1A1-43B7-97AF-8180BFF74484}"/>
+              </a:ext>
+            </a:extLst>
+          </p:cNvPr>
+          <p:cNvCxnSpPr>
+            <a:cxnSpLocks/>
+            <a:stCxn id="65" idx="3"/>
+          </p:cNvCxnSpPr>
+          <p:nvPr/>
+        </p:nvCxnSpPr>
+        <p:spPr>
+          <a:xfrm flipV="1">
+            <a:off x="5660290" y="4905524"/>
+            <a:ext cx="1631649" cy="422242"/>
+          </a:xfrm>
+          <a:prstGeom prst="bentConnector3">
+            <a:avLst>
+              <a:gd name="adj1" fmla="val 50000"/>
+            </a:avLst>
+          </a:prstGeom>
+          <a:ln>
+            <a:tailEnd type="triangle"/>
+          </a:ln>
+        </p:spPr>
+        <p:style>
+          <a:lnRef idx="1">
+            <a:schemeClr val="accent4"/>
+          </a:lnRef>
+          <a:fillRef idx="0">
+            <a:schemeClr val="accent4"/>
+          </a:fillRef>
+          <a:effectRef idx="0">
+            <a:schemeClr val="accent4"/>
+          </a:effectRef>
+          <a:fontRef idx="minor">
+            <a:schemeClr val="tx1"/>
+          </a:fontRef>
+        </p:style>
+      </p:cxnSp>
+      <p:cxnSp>
+        <p:nvCxnSpPr>
+          <p:cNvPr id="74" name="直接箭头连接符 51">
+            <a:extLst>
+              <a:ext uri="{FF2B5EF4-FFF2-40B4-BE49-F238E27FC236}">
+                <a16:creationId xmlns:a16="http://schemas.microsoft.com/office/drawing/2014/main" id="{6E254BD7-88CC-498A-91C7-6EDE455DD19E}"/>
+              </a:ext>
+            </a:extLst>
+          </p:cNvPr>
+          <p:cNvCxnSpPr>
+            <a:cxnSpLocks/>
+            <a:stCxn id="67" idx="3"/>
+          </p:cNvCxnSpPr>
+          <p:nvPr/>
+        </p:nvCxnSpPr>
+        <p:spPr>
+          <a:xfrm flipV="1">
+            <a:off x="5660290" y="5046809"/>
+            <a:ext cx="1768028" cy="712981"/>
+          </a:xfrm>
+          <a:prstGeom prst="bentConnector3">
+            <a:avLst>
+              <a:gd name="adj1" fmla="val 50000"/>
+            </a:avLst>
+          </a:prstGeom>
+          <a:ln>
+            <a:tailEnd type="triangle"/>
+          </a:ln>
+        </p:spPr>
+        <p:style>
+          <a:lnRef idx="1">
+            <a:schemeClr val="accent4"/>
+          </a:lnRef>
+          <a:fillRef idx="0">
+            <a:schemeClr val="accent4"/>
+          </a:fillRef>
+          <a:effectRef idx="0">
+            <a:schemeClr val="accent4"/>
+          </a:effectRef>
+          <a:fontRef idx="minor">
+            <a:schemeClr val="tx1"/>
+          </a:fontRef>
+        </p:style>
+      </p:cxnSp>
+      <p:cxnSp>
+        <p:nvCxnSpPr>
+          <p:cNvPr id="75" name="直接箭头连接符 51">
+            <a:extLst>
+              <a:ext uri="{FF2B5EF4-FFF2-40B4-BE49-F238E27FC236}">
+                <a16:creationId xmlns:a16="http://schemas.microsoft.com/office/drawing/2014/main" id="{66866544-70E3-4B26-89E0-9627BA84C74F}"/>
+              </a:ext>
+            </a:extLst>
+          </p:cNvPr>
+          <p:cNvCxnSpPr>
+            <a:cxnSpLocks/>
+            <a:stCxn id="55" idx="2"/>
+            <a:endCxn id="57" idx="1"/>
+          </p:cNvCxnSpPr>
+          <p:nvPr/>
+        </p:nvCxnSpPr>
+        <p:spPr>
+          <a:xfrm rot="5400000">
+            <a:off x="4169803" y="1865443"/>
+            <a:ext cx="64599" cy="6725243"/>
+          </a:xfrm>
+          <a:prstGeom prst="bentConnector4">
+            <a:avLst>
+              <a:gd name="adj1" fmla="val 2152649"/>
+              <a:gd name="adj2" fmla="val 106231"/>
+            </a:avLst>
+          </a:prstGeom>
+          <a:ln>
+            <a:tailEnd type="triangle"/>
+          </a:ln>
+        </p:spPr>
+        <p:style>
+          <a:lnRef idx="2">
+            <a:schemeClr val="dk1"/>
+          </a:lnRef>
+          <a:fillRef idx="0">
+            <a:schemeClr val="dk1"/>
+          </a:fillRef>
+          <a:effectRef idx="1">
+            <a:schemeClr val="dk1"/>
+          </a:effectRef>
+          <a:fontRef idx="minor">
+            <a:schemeClr val="tx1"/>
+          </a:fontRef>
+        </p:style>
+      </p:cxnSp>
+      <p:sp>
+        <p:nvSpPr>
+          <p:cNvPr id="76" name="矩形 75">
+            <a:extLst>
+              <a:ext uri="{FF2B5EF4-FFF2-40B4-BE49-F238E27FC236}">
+                <a16:creationId xmlns:a16="http://schemas.microsoft.com/office/drawing/2014/main" id="{186FF2C6-9E04-47BE-A1B7-5A26499FB7D1}"/>
+              </a:ext>
+            </a:extLst>
+          </p:cNvPr>
+          <p:cNvSpPr/>
+          <p:nvPr/>
+        </p:nvSpPr>
+        <p:spPr>
+          <a:xfrm>
+            <a:off x="5627014" y="1793587"/>
+            <a:ext cx="1649685" cy="644520"/>
+          </a:xfrm>
+          <a:prstGeom prst="rect">
+            <a:avLst/>
+          </a:prstGeom>
+          <a:effectLst>
+            <a:outerShdw blurRad="50800" dist="38100" dir="2700000" algn="tl" rotWithShape="0">
+              <a:prstClr val="black">
+                <a:alpha val="40000"/>
+              </a:prstClr>
+            </a:outerShdw>
+          </a:effectLst>
+        </p:spPr>
+        <p:style>
+          <a:lnRef idx="2">
+            <a:schemeClr val="dk1"/>
+          </a:lnRef>
+          <a:fillRef idx="1">
+            <a:schemeClr val="lt1"/>
+          </a:fillRef>
+          <a:effectRef idx="0">
+            <a:schemeClr val="dk1"/>
+          </a:effectRef>
+          <a:fontRef idx="minor">
+            <a:schemeClr val="dk1"/>
+          </a:fontRef>
+        </p:style>
+        <p:txBody>
+          <a:bodyPr rtlCol="0" anchor="ctr"/>
+          <a:lstStyle/>
+          <a:p>
+            <a:pPr algn="ctr"/>
+            <a:r>
+              <a:rPr lang="en-US" altLang="zh-CN" sz="1000" b="1"/>
+              <a:t>LEVEL2</a:t>
+            </a:r>
+          </a:p>
+          <a:p>
+            <a:pPr algn="ctr"/>
+            <a:r>
+              <a:rPr lang="en-US" altLang="zh-CN" sz="1000" b="1"/>
+              <a:t>EXCHANGE</a:t>
+            </a:r>
+            <a:endParaRPr lang="zh-CN" altLang="en-US" sz="1000" b="1"/>
+          </a:p>
+        </p:txBody>
+      </p:sp>
+      <p:sp>
+        <p:nvSpPr>
+          <p:cNvPr id="77" name="矩形 76">
+            <a:extLst>
+              <a:ext uri="{FF2B5EF4-FFF2-40B4-BE49-F238E27FC236}">
+                <a16:creationId xmlns:a16="http://schemas.microsoft.com/office/drawing/2014/main" id="{E11A0C06-8F1D-4326-BD26-7C5AB76891D7}"/>
+              </a:ext>
+            </a:extLst>
+          </p:cNvPr>
+          <p:cNvSpPr/>
+          <p:nvPr/>
+        </p:nvSpPr>
+        <p:spPr>
+          <a:xfrm>
+            <a:off x="7753724" y="2427090"/>
+            <a:ext cx="1649685" cy="644520"/>
+          </a:xfrm>
+          <a:prstGeom prst="rect">
+            <a:avLst/>
+          </a:prstGeom>
+          <a:solidFill>
+            <a:srgbClr val="92D050"/>
+          </a:solidFill>
+          <a:effectLst>
+            <a:outerShdw blurRad="50800" dist="38100" dir="2700000" algn="tl" rotWithShape="0">
+              <a:prstClr val="black">
+                <a:alpha val="40000"/>
+              </a:prstClr>
+            </a:outerShdw>
+          </a:effectLst>
+        </p:spPr>
+        <p:style>
+          <a:lnRef idx="2">
+            <a:schemeClr val="dk1"/>
+          </a:lnRef>
+          <a:fillRef idx="1">
+            <a:schemeClr val="lt1"/>
+          </a:fillRef>
+          <a:effectRef idx="0">
+            <a:schemeClr val="dk1"/>
+          </a:effectRef>
+          <a:fontRef idx="minor">
+            <a:schemeClr val="dk1"/>
+          </a:fontRef>
+        </p:style>
+        <p:txBody>
+          <a:bodyPr rtlCol="0" anchor="ctr"/>
+          <a:lstStyle/>
+          <a:p>
+            <a:pPr algn="ctr"/>
+            <a:r>
+              <a:rPr lang="en-US" altLang="zh-CN" sz="1000" b="1"/>
+              <a:t>PRE-FACTOR</a:t>
+            </a:r>
+            <a:endParaRPr lang="zh-CN" altLang="en-US" sz="1000" b="1"/>
+          </a:p>
+        </p:txBody>
+      </p:sp>
+      <p:cxnSp>
+        <p:nvCxnSpPr>
+          <p:cNvPr id="78" name="直接箭头连接符 51">
+            <a:extLst>
+              <a:ext uri="{FF2B5EF4-FFF2-40B4-BE49-F238E27FC236}">
+                <a16:creationId xmlns:a16="http://schemas.microsoft.com/office/drawing/2014/main" id="{37081034-810F-4BCF-B461-80A420948CD8}"/>
+              </a:ext>
+            </a:extLst>
+          </p:cNvPr>
+          <p:cNvCxnSpPr>
+            <a:cxnSpLocks/>
+          </p:cNvCxnSpPr>
+          <p:nvPr/>
+        </p:nvCxnSpPr>
+        <p:spPr>
+          <a:xfrm rot="10800000" flipV="1">
+            <a:off x="5798711" y="3071607"/>
+            <a:ext cx="2362609" cy="522737"/>
+          </a:xfrm>
+          <a:prstGeom prst="bentConnector3">
+            <a:avLst>
+              <a:gd name="adj1" fmla="val 9"/>
+            </a:avLst>
+          </a:prstGeom>
+          <a:ln>
+            <a:tailEnd type="triangle"/>
+          </a:ln>
+        </p:spPr>
+        <p:style>
+          <a:lnRef idx="1">
+            <a:schemeClr val="accent1"/>
+          </a:lnRef>
+          <a:fillRef idx="0">
+            <a:schemeClr val="accent1"/>
+          </a:fillRef>
+          <a:effectRef idx="0">
+            <a:schemeClr val="accent1"/>
+          </a:effectRef>
+          <a:fontRef idx="minor">
+            <a:schemeClr val="tx1"/>
+          </a:fontRef>
+        </p:style>
+      </p:cxnSp>
+      <p:cxnSp>
+        <p:nvCxnSpPr>
+          <p:cNvPr id="79" name="直接箭头连接符 51">
+            <a:extLst>
+              <a:ext uri="{FF2B5EF4-FFF2-40B4-BE49-F238E27FC236}">
+                <a16:creationId xmlns:a16="http://schemas.microsoft.com/office/drawing/2014/main" id="{3918CD5F-3973-4D8C-B6CC-F58BFD538FE7}"/>
+              </a:ext>
+            </a:extLst>
+          </p:cNvPr>
+          <p:cNvCxnSpPr>
+            <a:cxnSpLocks/>
+            <a:stCxn id="76" idx="3"/>
+            <a:endCxn id="77" idx="0"/>
+          </p:cNvCxnSpPr>
+          <p:nvPr/>
+        </p:nvCxnSpPr>
+        <p:spPr>
+          <a:xfrm>
+            <a:off x="7276699" y="2115847"/>
+            <a:ext cx="1301868" cy="311243"/>
+          </a:xfrm>
+          <a:prstGeom prst="bentConnector2">
+            <a:avLst/>
+          </a:prstGeom>
+          <a:ln>
+            <a:tailEnd type="triangle"/>
+          </a:ln>
+        </p:spPr>
+        <p:style>
+          <a:lnRef idx="1">
+            <a:schemeClr val="accent1"/>
+          </a:lnRef>
+          <a:fillRef idx="0">
+            <a:schemeClr val="accent1"/>
+          </a:fillRef>
+          <a:effectRef idx="0">
+            <a:schemeClr val="accent1"/>
+          </a:effectRef>
+          <a:fontRef idx="minor">
+            <a:schemeClr val="tx1"/>
+          </a:fontRef>
+        </p:style>
+      </p:cxnSp>
+      <p:cxnSp>
+        <p:nvCxnSpPr>
+          <p:cNvPr id="80" name="直接箭头连接符 51">
+            <a:extLst>
+              <a:ext uri="{FF2B5EF4-FFF2-40B4-BE49-F238E27FC236}">
+                <a16:creationId xmlns:a16="http://schemas.microsoft.com/office/drawing/2014/main" id="{022B5239-7E8A-4DD3-B15F-6733E8FBF07E}"/>
+              </a:ext>
+            </a:extLst>
+          </p:cNvPr>
+          <p:cNvCxnSpPr>
+            <a:cxnSpLocks/>
+          </p:cNvCxnSpPr>
+          <p:nvPr/>
+        </p:nvCxnSpPr>
+        <p:spPr>
+          <a:xfrm rot="10800000" flipV="1">
+            <a:off x="5798708" y="3071609"/>
+            <a:ext cx="3150720" cy="2856047"/>
+          </a:xfrm>
+          <a:prstGeom prst="bentConnector3">
+            <a:avLst>
+              <a:gd name="adj1" fmla="val -3932"/>
+            </a:avLst>
+          </a:prstGeom>
+          <a:ln>
+            <a:tailEnd type="triangle"/>
+          </a:ln>
+        </p:spPr>
+        <p:style>
+          <a:lnRef idx="1">
+            <a:schemeClr val="accent1"/>
+          </a:lnRef>
+          <a:fillRef idx="0">
+            <a:schemeClr val="accent1"/>
+          </a:fillRef>
+          <a:effectRef idx="0">
+            <a:schemeClr val="accent1"/>
+          </a:effectRef>
+          <a:fontRef idx="minor">
+            <a:schemeClr val="tx1"/>
+          </a:fontRef>
+        </p:style>
+      </p:cxnSp>
+      <p:grpSp>
+        <p:nvGrpSpPr>
+          <p:cNvPr id="81" name="组合 80">
+            <a:extLst>
+              <a:ext uri="{FF2B5EF4-FFF2-40B4-BE49-F238E27FC236}">
+                <a16:creationId xmlns:a16="http://schemas.microsoft.com/office/drawing/2014/main" id="{2E3145C1-DA76-45A7-B905-E01614A7BBDB}"/>
+              </a:ext>
+            </a:extLst>
+          </p:cNvPr>
+          <p:cNvGrpSpPr/>
+          <p:nvPr/>
+        </p:nvGrpSpPr>
+        <p:grpSpPr>
+          <a:xfrm>
+            <a:off x="9592073" y="3470732"/>
+            <a:ext cx="2269181" cy="2332656"/>
+            <a:chOff x="9484654" y="4217076"/>
+            <a:chExt cx="2269181" cy="2332656"/>
+          </a:xfrm>
+        </p:grpSpPr>
+        <p:sp>
+          <p:nvSpPr>
+            <p:cNvPr id="82" name="矩形: 圆角 81">
+              <a:extLst>
+                <a:ext uri="{FF2B5EF4-FFF2-40B4-BE49-F238E27FC236}">
+                  <a16:creationId xmlns:a16="http://schemas.microsoft.com/office/drawing/2014/main" id="{CDF983A5-5442-4457-AE30-C70880DD80B7}"/>
+                </a:ext>
+              </a:extLst>
+            </p:cNvPr>
+            <p:cNvSpPr/>
+            <p:nvPr/>
+          </p:nvSpPr>
+          <p:spPr>
+            <a:xfrm>
+              <a:off x="9768628" y="4939315"/>
+              <a:ext cx="830470" cy="335735"/>
+            </a:xfrm>
+            <a:prstGeom prst="roundRect">
+              <a:avLst>
+                <a:gd name="adj" fmla="val 7343"/>
+              </a:avLst>
+            </a:prstGeom>
+          </p:spPr>
+          <p:style>
+            <a:lnRef idx="2">
+              <a:schemeClr val="dk1"/>
+            </a:lnRef>
+            <a:fillRef idx="1">
+              <a:schemeClr val="lt1"/>
+            </a:fillRef>
+            <a:effectRef idx="0">
+              <a:schemeClr val="dk1"/>
+            </a:effectRef>
+            <a:fontRef idx="minor">
+              <a:schemeClr val="dk1"/>
+            </a:fontRef>
+          </p:style>
+          <p:txBody>
+            <a:bodyPr rtlCol="0" anchor="ctr"/>
+            <a:lstStyle/>
+            <a:p>
+              <a:pPr algn="ctr"/>
+              <a:r>
+                <a:rPr lang="en-US" altLang="zh-CN" sz="1000" b="1">
+                  <a:solidFill>
+                    <a:schemeClr val="tx1"/>
+                  </a:solidFill>
+                </a:rPr>
+                <a:t> Project </a:t>
+              </a:r>
+              <a:endParaRPr lang="zh-CN" altLang="en-US" sz="1000" b="1">
+                <a:solidFill>
+                  <a:schemeClr val="tx1"/>
+                </a:solidFill>
+              </a:endParaRPr>
+            </a:p>
+          </p:txBody>
+        </p:sp>
+        <p:sp>
+          <p:nvSpPr>
+            <p:cNvPr id="83" name="矩形: 圆角 82">
+              <a:extLst>
+                <a:ext uri="{FF2B5EF4-FFF2-40B4-BE49-F238E27FC236}">
+                  <a16:creationId xmlns:a16="http://schemas.microsoft.com/office/drawing/2014/main" id="{58EBAFDE-AD20-4049-A06D-2FB75C5754C8}"/>
+                </a:ext>
+              </a:extLst>
+            </p:cNvPr>
+            <p:cNvSpPr/>
+            <p:nvPr/>
+          </p:nvSpPr>
+          <p:spPr>
+            <a:xfrm>
+              <a:off x="9484654" y="5630348"/>
+              <a:ext cx="830470" cy="335735"/>
+            </a:xfrm>
+            <a:prstGeom prst="roundRect">
+              <a:avLst>
+                <a:gd name="adj" fmla="val 7343"/>
+              </a:avLst>
+            </a:prstGeom>
+          </p:spPr>
+          <p:style>
+            <a:lnRef idx="2">
+              <a:schemeClr val="dk1"/>
+            </a:lnRef>
+            <a:fillRef idx="1">
+              <a:schemeClr val="lt1"/>
+            </a:fillRef>
+            <a:effectRef idx="0">
+              <a:schemeClr val="dk1"/>
+            </a:effectRef>
+            <a:fontRef idx="minor">
+              <a:schemeClr val="dk1"/>
+            </a:fontRef>
+          </p:style>
+          <p:txBody>
+            <a:bodyPr rtlCol="0" anchor="ctr"/>
+            <a:lstStyle/>
+            <a:p>
+              <a:pPr algn="ctr"/>
+              <a:r>
+                <a:rPr lang="en-US" altLang="zh-CN" sz="1000" b="1">
+                  <a:solidFill>
+                    <a:schemeClr val="tx1"/>
+                  </a:solidFill>
+                </a:rPr>
+                <a:t> BatchTask </a:t>
+              </a:r>
+              <a:endParaRPr lang="zh-CN" altLang="en-US" sz="1000" b="1">
+                <a:solidFill>
+                  <a:schemeClr val="tx1"/>
+                </a:solidFill>
+              </a:endParaRPr>
+            </a:p>
+          </p:txBody>
+        </p:sp>
+        <p:sp>
+          <p:nvSpPr>
+            <p:cNvPr id="84" name="矩形: 圆角 83">
+              <a:extLst>
+                <a:ext uri="{FF2B5EF4-FFF2-40B4-BE49-F238E27FC236}">
+                  <a16:creationId xmlns:a16="http://schemas.microsoft.com/office/drawing/2014/main" id="{6749EAC9-57B7-4632-BFE5-59702C2A8504}"/>
+                </a:ext>
+              </a:extLst>
+            </p:cNvPr>
+            <p:cNvSpPr/>
+            <p:nvPr/>
+          </p:nvSpPr>
+          <p:spPr>
+            <a:xfrm>
+              <a:off x="10923365" y="5630347"/>
+              <a:ext cx="830470" cy="335735"/>
+            </a:xfrm>
+            <a:prstGeom prst="roundRect">
+              <a:avLst>
+                <a:gd name="adj" fmla="val 7343"/>
+              </a:avLst>
+            </a:prstGeom>
+          </p:spPr>
+          <p:style>
+            <a:lnRef idx="2">
+              <a:schemeClr val="dk1"/>
+            </a:lnRef>
+            <a:fillRef idx="1">
+              <a:schemeClr val="lt1"/>
+            </a:fillRef>
+            <a:effectRef idx="0">
+              <a:schemeClr val="dk1"/>
+            </a:effectRef>
+            <a:fontRef idx="minor">
+              <a:schemeClr val="dk1"/>
+            </a:fontRef>
+          </p:style>
+          <p:txBody>
+            <a:bodyPr rtlCol="0" anchor="ctr"/>
+            <a:lstStyle/>
+            <a:p>
+              <a:pPr algn="ctr"/>
+              <a:r>
+                <a:rPr lang="en-US" altLang="zh-CN" sz="1000" b="1">
+                  <a:solidFill>
+                    <a:schemeClr val="tx1"/>
+                  </a:solidFill>
+                </a:rPr>
+                <a:t> Worker </a:t>
+              </a:r>
+              <a:endParaRPr lang="zh-CN" altLang="en-US" sz="1000" b="1">
+                <a:solidFill>
+                  <a:schemeClr val="tx1"/>
+                </a:solidFill>
+              </a:endParaRPr>
+            </a:p>
+          </p:txBody>
+        </p:sp>
+        <p:sp>
+          <p:nvSpPr>
+            <p:cNvPr id="85" name="矩形: 圆角 84">
+              <a:extLst>
+                <a:ext uri="{FF2B5EF4-FFF2-40B4-BE49-F238E27FC236}">
+                  <a16:creationId xmlns:a16="http://schemas.microsoft.com/office/drawing/2014/main" id="{1BACEB8A-7060-47B3-9715-D83A80AADCA1}"/>
+                </a:ext>
+              </a:extLst>
+            </p:cNvPr>
+            <p:cNvSpPr/>
+            <p:nvPr/>
+          </p:nvSpPr>
+          <p:spPr>
+            <a:xfrm>
+              <a:off x="10177180" y="6213997"/>
+              <a:ext cx="830470" cy="335735"/>
+            </a:xfrm>
+            <a:prstGeom prst="roundRect">
+              <a:avLst>
+                <a:gd name="adj" fmla="val 7343"/>
+              </a:avLst>
+            </a:prstGeom>
+          </p:spPr>
+          <p:style>
+            <a:lnRef idx="2">
+              <a:schemeClr val="dk1"/>
+            </a:lnRef>
+            <a:fillRef idx="1">
+              <a:schemeClr val="lt1"/>
+            </a:fillRef>
+            <a:effectRef idx="0">
+              <a:schemeClr val="dk1"/>
+            </a:effectRef>
+            <a:fontRef idx="minor">
+              <a:schemeClr val="dk1"/>
+            </a:fontRef>
+          </p:style>
+          <p:txBody>
+            <a:bodyPr rtlCol="0" anchor="ctr"/>
+            <a:lstStyle/>
+            <a:p>
+              <a:pPr algn="ctr"/>
+              <a:r>
+                <a:rPr lang="en-US" altLang="zh-CN" sz="1000" b="1">
+                  <a:solidFill>
+                    <a:schemeClr val="tx1"/>
+                  </a:solidFill>
+                </a:rPr>
+                <a:t> Task </a:t>
+              </a:r>
+              <a:endParaRPr lang="zh-CN" altLang="en-US" sz="1000" b="1">
+                <a:solidFill>
+                  <a:schemeClr val="tx1"/>
+                </a:solidFill>
+              </a:endParaRPr>
+            </a:p>
+          </p:txBody>
+        </p:sp>
+        <p:sp>
+          <p:nvSpPr>
+            <p:cNvPr id="86" name="矩形: 圆角 85">
+              <a:extLst>
+                <a:ext uri="{FF2B5EF4-FFF2-40B4-BE49-F238E27FC236}">
+                  <a16:creationId xmlns:a16="http://schemas.microsoft.com/office/drawing/2014/main" id="{61BD6040-7749-4EA9-A94E-CD208828D126}"/>
+                </a:ext>
+              </a:extLst>
+            </p:cNvPr>
+            <p:cNvSpPr/>
+            <p:nvPr/>
+          </p:nvSpPr>
+          <p:spPr>
+            <a:xfrm>
+              <a:off x="10198166" y="4217076"/>
+              <a:ext cx="830470" cy="335735"/>
+            </a:xfrm>
+            <a:prstGeom prst="roundRect">
+              <a:avLst>
+                <a:gd name="adj" fmla="val 7343"/>
+              </a:avLst>
+            </a:prstGeom>
+          </p:spPr>
+          <p:style>
+            <a:lnRef idx="2">
+              <a:schemeClr val="dk1"/>
+            </a:lnRef>
+            <a:fillRef idx="1">
+              <a:schemeClr val="lt1"/>
+            </a:fillRef>
+            <a:effectRef idx="0">
+              <a:schemeClr val="dk1"/>
+            </a:effectRef>
+            <a:fontRef idx="minor">
+              <a:schemeClr val="dk1"/>
+            </a:fontRef>
+          </p:style>
+          <p:txBody>
+            <a:bodyPr rtlCol="0" anchor="ctr"/>
+            <a:lstStyle/>
+            <a:p>
+              <a:pPr algn="ctr"/>
+              <a:r>
+                <a:rPr lang="en-US" altLang="zh-CN" sz="1000" b="1">
+                  <a:solidFill>
+                    <a:schemeClr val="tx1"/>
+                  </a:solidFill>
+                </a:rPr>
+                <a:t> Node </a:t>
+              </a:r>
+              <a:endParaRPr lang="zh-CN" altLang="en-US" sz="1000" b="1">
+                <a:solidFill>
+                  <a:schemeClr val="tx1"/>
+                </a:solidFill>
+              </a:endParaRPr>
+            </a:p>
+          </p:txBody>
+        </p:sp>
+        <p:cxnSp>
+          <p:nvCxnSpPr>
+            <p:cNvPr id="87" name="直接箭头连接符 51">
+              <a:extLst>
+                <a:ext uri="{FF2B5EF4-FFF2-40B4-BE49-F238E27FC236}">
+                  <a16:creationId xmlns:a16="http://schemas.microsoft.com/office/drawing/2014/main" id="{7CD8A682-B432-495E-AA7D-E30987378498}"/>
+                </a:ext>
+              </a:extLst>
+            </p:cNvPr>
+            <p:cNvCxnSpPr>
+              <a:cxnSpLocks/>
+              <a:stCxn id="85" idx="3"/>
+              <a:endCxn id="84" idx="2"/>
+            </p:cNvCxnSpPr>
+            <p:nvPr/>
+          </p:nvCxnSpPr>
+          <p:spPr>
+            <a:xfrm flipV="1">
+              <a:off x="11007650" y="5966082"/>
+              <a:ext cx="330950" cy="415783"/>
+            </a:xfrm>
+            <a:prstGeom prst="bentConnector2">
+              <a:avLst/>
+            </a:prstGeom>
+            <a:ln>
+              <a:tailEnd type="triangle"/>
+            </a:ln>
+          </p:spPr>
+          <p:style>
+            <a:lnRef idx="2">
+              <a:schemeClr val="dk1"/>
+            </a:lnRef>
+            <a:fillRef idx="1">
+              <a:schemeClr val="lt1"/>
+            </a:fillRef>
+            <a:effectRef idx="0">
+              <a:schemeClr val="dk1"/>
+            </a:effectRef>
+            <a:fontRef idx="minor">
+              <a:schemeClr val="dk1"/>
+            </a:fontRef>
+          </p:style>
+        </p:cxnSp>
+        <p:cxnSp>
+          <p:nvCxnSpPr>
+            <p:cNvPr id="88" name="直接箭头连接符 51">
+              <a:extLst>
+                <a:ext uri="{FF2B5EF4-FFF2-40B4-BE49-F238E27FC236}">
+                  <a16:creationId xmlns:a16="http://schemas.microsoft.com/office/drawing/2014/main" id="{199890C1-33CB-4994-B73E-6043D5141474}"/>
+                </a:ext>
+              </a:extLst>
+            </p:cNvPr>
+            <p:cNvCxnSpPr>
+              <a:cxnSpLocks/>
+              <a:stCxn id="83" idx="3"/>
+              <a:endCxn id="84" idx="1"/>
+            </p:cNvCxnSpPr>
+            <p:nvPr/>
+          </p:nvCxnSpPr>
+          <p:spPr>
+            <a:xfrm flipV="1">
+              <a:off x="10315124" y="5798215"/>
+              <a:ext cx="608241" cy="1"/>
+            </a:xfrm>
+            <a:prstGeom prst="bentConnector3">
+              <a:avLst>
+                <a:gd name="adj1" fmla="val 50000"/>
+              </a:avLst>
+            </a:prstGeom>
+            <a:ln>
+              <a:headEnd type="none" w="med" len="med"/>
+              <a:tailEnd type="none" w="med" len="med"/>
+            </a:ln>
+          </p:spPr>
+          <p:style>
+            <a:lnRef idx="2">
+              <a:schemeClr val="dk1"/>
+            </a:lnRef>
+            <a:fillRef idx="1">
+              <a:schemeClr val="lt1"/>
+            </a:fillRef>
+            <a:effectRef idx="0">
+              <a:schemeClr val="dk1"/>
+            </a:effectRef>
+            <a:fontRef idx="minor">
+              <a:schemeClr val="dk1"/>
+            </a:fontRef>
+          </p:style>
+        </p:cxnSp>
+        <p:cxnSp>
+          <p:nvCxnSpPr>
+            <p:cNvPr id="89" name="直接箭头连接符 51">
+              <a:extLst>
+                <a:ext uri="{FF2B5EF4-FFF2-40B4-BE49-F238E27FC236}">
+                  <a16:creationId xmlns:a16="http://schemas.microsoft.com/office/drawing/2014/main" id="{3F162529-8759-41B5-A8DA-9CB6179ED487}"/>
+                </a:ext>
+              </a:extLst>
+            </p:cNvPr>
+            <p:cNvCxnSpPr>
+              <a:cxnSpLocks/>
+              <a:stCxn id="82" idx="0"/>
+              <a:endCxn id="86" idx="2"/>
+            </p:cNvCxnSpPr>
+            <p:nvPr/>
+          </p:nvCxnSpPr>
+          <p:spPr>
+            <a:xfrm rot="5400000" flipH="1" flipV="1">
+              <a:off x="10205380" y="4531294"/>
+              <a:ext cx="386504" cy="429538"/>
+            </a:xfrm>
+            <a:prstGeom prst="bentConnector3">
+              <a:avLst>
+                <a:gd name="adj1" fmla="val 50000"/>
+              </a:avLst>
+            </a:prstGeom>
+            <a:ln>
+              <a:tailEnd type="triangle"/>
+            </a:ln>
+          </p:spPr>
+          <p:style>
+            <a:lnRef idx="2">
+              <a:schemeClr val="dk1"/>
+            </a:lnRef>
+            <a:fillRef idx="1">
+              <a:schemeClr val="lt1"/>
+            </a:fillRef>
+            <a:effectRef idx="0">
+              <a:schemeClr val="dk1"/>
+            </a:effectRef>
+            <a:fontRef idx="minor">
+              <a:schemeClr val="dk1"/>
+            </a:fontRef>
+          </p:style>
+        </p:cxnSp>
+        <p:cxnSp>
+          <p:nvCxnSpPr>
+            <p:cNvPr id="90" name="直接箭头连接符 51">
+              <a:extLst>
+                <a:ext uri="{FF2B5EF4-FFF2-40B4-BE49-F238E27FC236}">
+                  <a16:creationId xmlns:a16="http://schemas.microsoft.com/office/drawing/2014/main" id="{69D4D771-2020-441B-B2D1-BA9E2A42760D}"/>
+                </a:ext>
+              </a:extLst>
+            </p:cNvPr>
+            <p:cNvCxnSpPr>
+              <a:cxnSpLocks/>
+              <a:stCxn id="85" idx="1"/>
+              <a:endCxn id="83" idx="2"/>
+            </p:cNvCxnSpPr>
+            <p:nvPr/>
+          </p:nvCxnSpPr>
+          <p:spPr>
+            <a:xfrm rot="10800000">
+              <a:off x="9899890" y="5966083"/>
+              <a:ext cx="277291" cy="415782"/>
+            </a:xfrm>
+            <a:prstGeom prst="bentConnector2">
+              <a:avLst/>
+            </a:prstGeom>
+            <a:ln>
+              <a:tailEnd type="triangle"/>
+            </a:ln>
+          </p:spPr>
+          <p:style>
+            <a:lnRef idx="2">
+              <a:schemeClr val="dk1"/>
+            </a:lnRef>
+            <a:fillRef idx="1">
+              <a:schemeClr val="lt1"/>
+            </a:fillRef>
+            <a:effectRef idx="0">
+              <a:schemeClr val="dk1"/>
+            </a:effectRef>
+            <a:fontRef idx="minor">
+              <a:schemeClr val="dk1"/>
+            </a:fontRef>
+          </p:style>
+        </p:cxnSp>
+        <p:cxnSp>
+          <p:nvCxnSpPr>
+            <p:cNvPr id="91" name="直接箭头连接符 51">
+              <a:extLst>
+                <a:ext uri="{FF2B5EF4-FFF2-40B4-BE49-F238E27FC236}">
+                  <a16:creationId xmlns:a16="http://schemas.microsoft.com/office/drawing/2014/main" id="{214BD4AB-46FE-4218-925C-0F3722A1B8B9}"/>
+                </a:ext>
+              </a:extLst>
+            </p:cNvPr>
+            <p:cNvCxnSpPr>
+              <a:cxnSpLocks/>
+              <a:stCxn id="83" idx="0"/>
+              <a:endCxn id="82" idx="2"/>
+            </p:cNvCxnSpPr>
+            <p:nvPr/>
+          </p:nvCxnSpPr>
+          <p:spPr>
+            <a:xfrm rot="5400000" flipH="1" flipV="1">
+              <a:off x="9864227" y="5310712"/>
+              <a:ext cx="355298" cy="283974"/>
+            </a:xfrm>
+            <a:prstGeom prst="bentConnector3">
+              <a:avLst>
+                <a:gd name="adj1" fmla="val 50000"/>
+              </a:avLst>
+            </a:prstGeom>
+            <a:ln>
+              <a:tailEnd type="triangle"/>
+            </a:ln>
+          </p:spPr>
+          <p:style>
+            <a:lnRef idx="2">
+              <a:schemeClr val="dk1"/>
+            </a:lnRef>
+            <a:fillRef idx="1">
+              <a:schemeClr val="lt1"/>
+            </a:fillRef>
+            <a:effectRef idx="0">
+              <a:schemeClr val="dk1"/>
+            </a:effectRef>
+            <a:fontRef idx="minor">
+              <a:schemeClr val="dk1"/>
+            </a:fontRef>
+          </p:style>
+        </p:cxnSp>
+      </p:grpSp>
+    </p:spTree>
+    <p:extLst>
+      <p:ext uri="{BB962C8B-B14F-4D97-AF65-F5344CB8AC3E}">
+        <p14:creationId xmlns:p14="http://schemas.microsoft.com/office/powerpoint/2010/main" val="1194527458"/>
       </p:ext>
     </p:extLst>
   </p:cSld>
